--- a/DataAnalysis Project Proposal.pptx
+++ b/DataAnalysis Project Proposal.pptx
@@ -15949,7 +15949,21 @@
                 <a:latin typeface="Arial" panose="020B0604020202020204" pitchFamily="34" charset="0"/>
                 <a:cs typeface="Arial" panose="020B0604020202020204" pitchFamily="34" charset="0"/>
               </a:rPr>
-              <a:t>Tutor: Mechtel Niels</a:t>
+              <a:t>Tutor</a:t>
+            </a:r>
+            <a:r>
+              <a:rPr lang="de-DE" sz="2000">
+                <a:latin typeface="Arial" panose="020B0604020202020204" pitchFamily="34" charset="0"/>
+                <a:cs typeface="Arial" panose="020B0604020202020204" pitchFamily="34" charset="0"/>
+              </a:rPr>
+              <a:t>: Nils </a:t>
+            </a:r>
+            <a:r>
+              <a:rPr lang="de-DE" sz="2000" dirty="0">
+                <a:latin typeface="Arial" panose="020B0604020202020204" pitchFamily="34" charset="0"/>
+                <a:cs typeface="Arial" panose="020B0604020202020204" pitchFamily="34" charset="0"/>
+              </a:rPr>
+              <a:t>Mechtel </a:t>
             </a:r>
           </a:p>
           <a:p>
@@ -15976,7 +15990,28 @@
                 <a:latin typeface="Arial" panose="020B0604020202020204" pitchFamily="34" charset="0"/>
                 <a:cs typeface="Arial" panose="020B0604020202020204" pitchFamily="34" charset="0"/>
               </a:rPr>
-              <a:t>Participents: Fink, Breuß, Sun, Hornich</a:t>
+              <a:t>Participents: Anastassia Fink, Andreas </a:t>
+            </a:r>
+            <a:r>
+              <a:rPr lang="de-DE" sz="2000" dirty="0" err="1">
+                <a:latin typeface="Arial" panose="020B0604020202020204" pitchFamily="34" charset="0"/>
+                <a:cs typeface="Arial" panose="020B0604020202020204" pitchFamily="34" charset="0"/>
+              </a:rPr>
+              <a:t>Breuß</a:t>
+            </a:r>
+            <a:r>
+              <a:rPr lang="de-DE" sz="2000" dirty="0">
+                <a:latin typeface="Arial" panose="020B0604020202020204" pitchFamily="34" charset="0"/>
+                <a:cs typeface="Arial" panose="020B0604020202020204" pitchFamily="34" charset="0"/>
+              </a:rPr>
+              <a:t>, Yuan Sun, Leon </a:t>
+            </a:r>
+            <a:r>
+              <a:rPr lang="de-DE" sz="2000" dirty="0" err="1">
+                <a:latin typeface="Arial" panose="020B0604020202020204" pitchFamily="34" charset="0"/>
+                <a:cs typeface="Arial" panose="020B0604020202020204" pitchFamily="34" charset="0"/>
+              </a:rPr>
+              <a:t>Hornich</a:t>
             </a:r>
             <a:endParaRPr lang="en-US" sz="2000" dirty="0">
               <a:latin typeface="Arial" panose="020B0604020202020204" pitchFamily="34" charset="0"/>
@@ -20066,7 +20101,7 @@
                 <a:latin typeface="Arial" panose="020B0604020202020204" pitchFamily="34" charset="0"/>
                 <a:cs typeface="Arial" panose="020B0604020202020204" pitchFamily="34" charset="0"/>
               </a:rPr>
-              <a:t>Literature review</a:t>
+              <a:t>Biological Background</a:t>
             </a:r>
           </a:p>
         </p:txBody>
@@ -20814,33 +20849,15 @@
                                   </p:childTnLst>
                                 </p:cTn>
                               </p:par>
-                            </p:childTnLst>
-                          </p:cTn>
-                        </p:par>
-                      </p:childTnLst>
-                    </p:cTn>
-                  </p:par>
-                  <p:par>
-                    <p:cTn id="23" fill="hold">
-                      <p:stCondLst>
-                        <p:cond delay="indefinite"/>
-                      </p:stCondLst>
-                      <p:childTnLst>
-                        <p:par>
-                          <p:cTn id="24" fill="hold">
-                            <p:stCondLst>
-                              <p:cond delay="0"/>
-                            </p:stCondLst>
-                            <p:childTnLst>
                               <p:par>
-                                <p:cTn id="25" presetID="10" presetClass="entr" presetSubtype="0" fill="hold" nodeType="clickEffect">
+                                <p:cTn id="23" presetID="10" presetClass="entr" presetSubtype="0" fill="hold" nodeType="withEffect">
                                   <p:stCondLst>
                                     <p:cond delay="0"/>
                                   </p:stCondLst>
                                   <p:childTnLst>
                                     <p:set>
                                       <p:cBhvr>
-                                        <p:cTn id="26" dur="1" fill="hold">
+                                        <p:cTn id="24" dur="1" fill="hold">
                                           <p:stCondLst>
                                             <p:cond delay="0"/>
                                           </p:stCondLst>
@@ -20858,7 +20875,7 @@
                                     </p:set>
                                     <p:animEffect transition="in" filter="fade">
                                       <p:cBhvr>
-                                        <p:cTn id="27" dur="500"/>
+                                        <p:cTn id="25" dur="500"/>
                                         <p:tgtEl>
                                           <p:spTgt spid="9"/>
                                         </p:tgtEl>
@@ -21066,7 +21083,7 @@
         </p:nvSpPr>
         <p:spPr>
           <a:xfrm>
-            <a:off x="992037" y="2314379"/>
+            <a:off x="992037" y="1972349"/>
             <a:ext cx="6101750" cy="830997"/>
           </a:xfrm>
           <a:prstGeom prst="rect">
@@ -21223,8 +21240,8 @@
         </p:nvSpPr>
         <p:spPr>
           <a:xfrm>
-            <a:off x="992037" y="3297126"/>
-            <a:ext cx="9307902" cy="1200329"/>
+            <a:off x="992037" y="2854326"/>
+            <a:ext cx="7355113" cy="1569660"/>
           </a:xfrm>
           <a:prstGeom prst="rect">
             <a:avLst/>
@@ -21246,7 +21263,21 @@
                 <a:latin typeface="Arial" panose="020B0604020202020204" pitchFamily="34" charset="0"/>
                 <a:cs typeface="Arial" panose="020B0604020202020204" pitchFamily="34" charset="0"/>
               </a:rPr>
-              <a:t>Functionally related genes: </a:t>
+              <a:t>Functionally related genes: lactalbumin-</a:t>
+            </a:r>
+            <a:r>
+              <a:rPr lang="el-GR" sz="2400" dirty="0">
+                <a:latin typeface="Arial" panose="020B0604020202020204" pitchFamily="34" charset="0"/>
+                <a:cs typeface="Arial" panose="020B0604020202020204" pitchFamily="34" charset="0"/>
+              </a:rPr>
+              <a:t>α</a:t>
+            </a:r>
+            <a:r>
+              <a:rPr lang="en-US" sz="2400" dirty="0">
+                <a:latin typeface="Arial" panose="020B0604020202020204" pitchFamily="34" charset="0"/>
+                <a:cs typeface="Arial" panose="020B0604020202020204" pitchFamily="34" charset="0"/>
+              </a:rPr>
+              <a:t> (</a:t>
             </a:r>
             <a:r>
               <a:rPr lang="en-US" sz="2400" i="1" dirty="0" err="1">
@@ -21256,18 +21287,25 @@
               <a:t>Lalba</a:t>
             </a:r>
             <a:r>
+              <a:rPr lang="en-US" sz="2400" i="1" dirty="0">
+                <a:latin typeface="Arial" panose="020B0604020202020204" pitchFamily="34" charset="0"/>
+                <a:cs typeface="Arial" panose="020B0604020202020204" pitchFamily="34" charset="0"/>
+              </a:rPr>
+              <a:t>)</a:t>
+            </a:r>
+            <a:r>
               <a:rPr lang="en-US" sz="2400" dirty="0">
                 <a:latin typeface="Arial" panose="020B0604020202020204" pitchFamily="34" charset="0"/>
                 <a:cs typeface="Arial" panose="020B0604020202020204" pitchFamily="34" charset="0"/>
               </a:rPr>
-              <a:t>, </a:t>
+              <a:t>, whey acidic protein (</a:t>
             </a:r>
             <a:r>
               <a:rPr lang="en-US" sz="2400" i="1" dirty="0">
                 <a:latin typeface="Arial" panose="020B0604020202020204" pitchFamily="34" charset="0"/>
                 <a:cs typeface="Arial" panose="020B0604020202020204" pitchFamily="34" charset="0"/>
               </a:rPr>
-              <a:t>WAP</a:t>
+              <a:t>WAP)</a:t>
             </a:r>
             <a:r>
               <a:rPr lang="en-US" sz="2400" dirty="0">
@@ -21281,7 +21319,7 @@
                 <a:latin typeface="Arial" panose="020B0604020202020204" pitchFamily="34" charset="0"/>
                 <a:cs typeface="Arial" panose="020B0604020202020204" pitchFamily="34" charset="0"/>
               </a:rPr>
-              <a:t>ELf5</a:t>
+              <a:t>Elf5</a:t>
             </a:r>
           </a:p>
           <a:p>
@@ -21338,7 +21376,7 @@
         </p:nvSpPr>
         <p:spPr>
           <a:xfrm>
-            <a:off x="992037" y="4649205"/>
+            <a:off x="992037" y="4474966"/>
             <a:ext cx="9049109" cy="1200329"/>
           </a:xfrm>
           <a:prstGeom prst="rect">
@@ -21494,6 +21532,41 @@
                                   </p:childTnLst>
                                 </p:cTn>
                               </p:par>
+                              <p:par>
+                                <p:cTn id="8" presetID="10" presetClass="entr" presetSubtype="0" fill="hold" nodeType="withEffect">
+                                  <p:stCondLst>
+                                    <p:cond delay="0"/>
+                                  </p:stCondLst>
+                                  <p:childTnLst>
+                                    <p:set>
+                                      <p:cBhvr>
+                                        <p:cTn id="9" dur="1" fill="hold">
+                                          <p:stCondLst>
+                                            <p:cond delay="0"/>
+                                          </p:stCondLst>
+                                        </p:cTn>
+                                        <p:tgtEl>
+                                          <p:spTgt spid="16"/>
+                                        </p:tgtEl>
+                                        <p:attrNameLst>
+                                          <p:attrName>style.visibility</p:attrName>
+                                        </p:attrNameLst>
+                                      </p:cBhvr>
+                                      <p:to>
+                                        <p:strVal val="visible"/>
+                                      </p:to>
+                                    </p:set>
+                                    <p:animEffect transition="in" filter="fade">
+                                      <p:cBhvr>
+                                        <p:cTn id="10" dur="500"/>
+                                        <p:tgtEl>
+                                          <p:spTgt spid="16"/>
+                                        </p:tgtEl>
+                                      </p:cBhvr>
+                                    </p:animEffect>
+                                  </p:childTnLst>
+                                </p:cTn>
+                              </p:par>
                             </p:childTnLst>
                           </p:cTn>
                         </p:par>
@@ -21501,26 +21574,26 @@
                     </p:cTn>
                   </p:par>
                   <p:par>
-                    <p:cTn id="8" fill="hold">
+                    <p:cTn id="11" fill="hold">
                       <p:stCondLst>
                         <p:cond delay="indefinite"/>
                       </p:stCondLst>
                       <p:childTnLst>
                         <p:par>
-                          <p:cTn id="9" fill="hold">
+                          <p:cTn id="12" fill="hold">
                             <p:stCondLst>
                               <p:cond delay="0"/>
                             </p:stCondLst>
                             <p:childTnLst>
                               <p:par>
-                                <p:cTn id="10" presetID="10" presetClass="entr" presetSubtype="0" fill="hold" grpId="0" nodeType="clickEffect">
+                                <p:cTn id="13" presetID="10" presetClass="entr" presetSubtype="0" fill="hold" grpId="0" nodeType="clickEffect">
                                   <p:stCondLst>
                                     <p:cond delay="0"/>
                                   </p:stCondLst>
                                   <p:childTnLst>
                                     <p:set>
                                       <p:cBhvr>
-                                        <p:cTn id="11" dur="1" fill="hold">
+                                        <p:cTn id="14" dur="1" fill="hold">
                                           <p:stCondLst>
                                             <p:cond delay="0"/>
                                           </p:stCondLst>
@@ -21538,7 +21611,7 @@
                                     </p:set>
                                     <p:animEffect transition="in" filter="fade">
                                       <p:cBhvr>
-                                        <p:cTn id="12" dur="500"/>
+                                        <p:cTn id="15" dur="500"/>
                                         <p:tgtEl>
                                           <p:spTgt spid="11"/>
                                         </p:tgtEl>
@@ -21554,26 +21627,26 @@
                     </p:cTn>
                   </p:par>
                   <p:par>
-                    <p:cTn id="13" fill="hold">
+                    <p:cTn id="16" fill="hold">
                       <p:stCondLst>
                         <p:cond delay="indefinite"/>
                       </p:stCondLst>
                       <p:childTnLst>
                         <p:par>
-                          <p:cTn id="14" fill="hold">
+                          <p:cTn id="17" fill="hold">
                             <p:stCondLst>
                               <p:cond delay="0"/>
                             </p:stCondLst>
                             <p:childTnLst>
                               <p:par>
-                                <p:cTn id="15" presetID="10" presetClass="entr" presetSubtype="0" fill="hold" grpId="0" nodeType="clickEffect">
+                                <p:cTn id="18" presetID="10" presetClass="entr" presetSubtype="0" fill="hold" grpId="0" nodeType="clickEffect">
                                   <p:stCondLst>
                                     <p:cond delay="0"/>
                                   </p:stCondLst>
                                   <p:childTnLst>
                                     <p:set>
                                       <p:cBhvr>
-                                        <p:cTn id="16" dur="1" fill="hold">
+                                        <p:cTn id="19" dur="1" fill="hold">
                                           <p:stCondLst>
                                             <p:cond delay="0"/>
                                           </p:stCondLst>
@@ -21591,62 +21664,9 @@
                                     </p:set>
                                     <p:animEffect transition="in" filter="fade">
                                       <p:cBhvr>
-                                        <p:cTn id="17" dur="500"/>
+                                        <p:cTn id="20" dur="500"/>
                                         <p:tgtEl>
                                           <p:spTgt spid="13"/>
-                                        </p:tgtEl>
-                                      </p:cBhvr>
-                                    </p:animEffect>
-                                  </p:childTnLst>
-                                </p:cTn>
-                              </p:par>
-                            </p:childTnLst>
-                          </p:cTn>
-                        </p:par>
-                      </p:childTnLst>
-                    </p:cTn>
-                  </p:par>
-                  <p:par>
-                    <p:cTn id="18" fill="hold">
-                      <p:stCondLst>
-                        <p:cond delay="indefinite"/>
-                      </p:stCondLst>
-                      <p:childTnLst>
-                        <p:par>
-                          <p:cTn id="19" fill="hold">
-                            <p:stCondLst>
-                              <p:cond delay="0"/>
-                            </p:stCondLst>
-                            <p:childTnLst>
-                              <p:par>
-                                <p:cTn id="20" presetID="10" presetClass="entr" presetSubtype="0" fill="hold" nodeType="clickEffect">
-                                  <p:stCondLst>
-                                    <p:cond delay="0"/>
-                                  </p:stCondLst>
-                                  <p:childTnLst>
-                                    <p:set>
-                                      <p:cBhvr>
-                                        <p:cTn id="21" dur="1" fill="hold">
-                                          <p:stCondLst>
-                                            <p:cond delay="0"/>
-                                          </p:stCondLst>
-                                        </p:cTn>
-                                        <p:tgtEl>
-                                          <p:spTgt spid="16"/>
-                                        </p:tgtEl>
-                                        <p:attrNameLst>
-                                          <p:attrName>style.visibility</p:attrName>
-                                        </p:attrNameLst>
-                                      </p:cBhvr>
-                                      <p:to>
-                                        <p:strVal val="visible"/>
-                                      </p:to>
-                                    </p:set>
-                                    <p:animEffect transition="in" filter="fade">
-                                      <p:cBhvr>
-                                        <p:cTn id="22" dur="500"/>
-                                        <p:tgtEl>
-                                          <p:spTgt spid="16"/>
                                         </p:tgtEl>
                                       </p:cBhvr>
                                     </p:animEffect>

--- a/DataAnalysis Project Proposal.pptx
+++ b/DataAnalysis Project Proposal.pptx
@@ -14,7 +14,7 @@
     <p:sldId id="265" r:id="rId5"/>
     <p:sldId id="259" r:id="rId6"/>
     <p:sldId id="260" r:id="rId7"/>
-    <p:sldId id="261" r:id="rId8"/>
+    <p:sldId id="272" r:id="rId8"/>
     <p:sldId id="262" r:id="rId9"/>
     <p:sldId id="266" r:id="rId10"/>
     <p:sldId id="267" r:id="rId11"/>
@@ -3039,7 +3039,7 @@
           <a:p>
             <a:fld id="{1F46FBD5-FE6E-4331-8548-D3364C788B48}" type="datetimeFigureOut">
               <a:rPr lang="de-DE" smtClean="0"/>
-              <a:t>11.05.2021</a:t>
+              <a:t>12.05.2021</a:t>
             </a:fld>
             <a:endParaRPr lang="de-DE" dirty="0"/>
           </a:p>
@@ -3198,7 +3198,7 @@
           <a:p>
             <a:fld id="{0505B110-7F2F-4C74-9BB2-5C2ABBF20394}" type="slidenum">
               <a:rPr lang="de-DE" smtClean="0"/>
-              <a:t>‹Nr.›</a:t>
+              <a:t>‹#›</a:t>
             </a:fld>
             <a:endParaRPr lang="de-DE" dirty="0"/>
           </a:p>
@@ -3525,7 +3525,7 @@
           <a:noFill/>
           <a:extLst>
             <a:ext uri="{909E8E84-426E-40dd-AFC4-6F175D3DCCD1}">
-              <a14:hiddenFill xmlns:a14="http://schemas.microsoft.com/office/drawing/2010/main" xmlns="">
+              <a14:hiddenFill xmlns="" xmlns:a14="http://schemas.microsoft.com/office/drawing/2010/main">
                 <a:solidFill>
                   <a:srgbClr val="FFFFFF"/>
                 </a:solidFill>
@@ -3585,7 +3585,7 @@
             </a:ln>
             <a:extLst>
               <a:ext uri="{91240B29-F687-4f45-9708-019B960494DF}">
-                <a14:hiddenLine xmlns:a14="http://schemas.microsoft.com/office/drawing/2010/main" xmlns="" w="9525">
+                <a14:hiddenLine xmlns="" xmlns:a14="http://schemas.microsoft.com/office/drawing/2010/main" w="9525">
                   <a:solidFill>
                     <a:srgbClr val="000000"/>
                   </a:solidFill>
@@ -3675,7 +3675,7 @@
             </a:ln>
             <a:extLst>
               <a:ext uri="{91240B29-F687-4f45-9708-019B960494DF}">
-                <a14:hiddenLine xmlns:a14="http://schemas.microsoft.com/office/drawing/2010/main" xmlns="" w="9525">
+                <a14:hiddenLine xmlns="" xmlns:a14="http://schemas.microsoft.com/office/drawing/2010/main" w="9525">
                   <a:solidFill>
                     <a:srgbClr val="000000"/>
                   </a:solidFill>
@@ -3765,7 +3765,7 @@
             </a:ln>
             <a:extLst>
               <a:ext uri="{91240B29-F687-4f45-9708-019B960494DF}">
-                <a14:hiddenLine xmlns:a14="http://schemas.microsoft.com/office/drawing/2010/main" xmlns="" w="9525">
+                <a14:hiddenLine xmlns="" xmlns:a14="http://schemas.microsoft.com/office/drawing/2010/main" w="9525">
                   <a:solidFill>
                     <a:srgbClr val="000000"/>
                   </a:solidFill>
@@ -3799,7 +3799,7 @@
             </a:ln>
             <a:extLst>
               <a:ext uri="{91240B29-F687-4f45-9708-019B960494DF}">
-                <a14:hiddenLine xmlns:a14="http://schemas.microsoft.com/office/drawing/2010/main" xmlns="" w="9525">
+                <a14:hiddenLine xmlns="" xmlns:a14="http://schemas.microsoft.com/office/drawing/2010/main" w="9525">
                   <a:solidFill>
                     <a:srgbClr val="000000"/>
                   </a:solidFill>
@@ -3889,7 +3889,7 @@
             </a:ln>
             <a:extLst>
               <a:ext uri="{91240B29-F687-4f45-9708-019B960494DF}">
-                <a14:hiddenLine xmlns:a14="http://schemas.microsoft.com/office/drawing/2010/main" xmlns="" w="9525">
+                <a14:hiddenLine xmlns="" xmlns:a14="http://schemas.microsoft.com/office/drawing/2010/main" w="9525">
                   <a:solidFill>
                     <a:srgbClr val="000000"/>
                   </a:solidFill>
@@ -3951,7 +3951,7 @@
             </a:ln>
             <a:extLst>
               <a:ext uri="{91240B29-F687-4f45-9708-019B960494DF}">
-                <a14:hiddenLine xmlns:a14="http://schemas.microsoft.com/office/drawing/2010/main" xmlns="" w="9525">
+                <a14:hiddenLine xmlns="" xmlns:a14="http://schemas.microsoft.com/office/drawing/2010/main" w="9525">
                   <a:solidFill>
                     <a:srgbClr val="000000"/>
                   </a:solidFill>
@@ -4013,7 +4013,7 @@
             </a:ln>
             <a:extLst>
               <a:ext uri="{91240B29-F687-4f45-9708-019B960494DF}">
-                <a14:hiddenLine xmlns:a14="http://schemas.microsoft.com/office/drawing/2010/main" xmlns="" w="9525">
+                <a14:hiddenLine xmlns="" xmlns:a14="http://schemas.microsoft.com/office/drawing/2010/main" w="9525">
                   <a:solidFill>
                     <a:srgbClr val="000000"/>
                   </a:solidFill>
@@ -4103,7 +4103,7 @@
             </a:ln>
             <a:extLst>
               <a:ext uri="{91240B29-F687-4f45-9708-019B960494DF}">
-                <a14:hiddenLine xmlns:a14="http://schemas.microsoft.com/office/drawing/2010/main" xmlns="" w="9525">
+                <a14:hiddenLine xmlns="" xmlns:a14="http://schemas.microsoft.com/office/drawing/2010/main" w="9525">
                   <a:solidFill>
                     <a:srgbClr val="000000"/>
                   </a:solidFill>
@@ -4165,7 +4165,7 @@
             </a:ln>
             <a:extLst>
               <a:ext uri="{91240B29-F687-4f45-9708-019B960494DF}">
-                <a14:hiddenLine xmlns:a14="http://schemas.microsoft.com/office/drawing/2010/main" xmlns="" w="9525">
+                <a14:hiddenLine xmlns="" xmlns:a14="http://schemas.microsoft.com/office/drawing/2010/main" w="9525">
                   <a:solidFill>
                     <a:srgbClr val="000000"/>
                   </a:solidFill>
@@ -4227,7 +4227,7 @@
             </a:ln>
             <a:extLst>
               <a:ext uri="{91240B29-F687-4f45-9708-019B960494DF}">
-                <a14:hiddenLine xmlns:a14="http://schemas.microsoft.com/office/drawing/2010/main" xmlns="" w="9525">
+                <a14:hiddenLine xmlns="" xmlns:a14="http://schemas.microsoft.com/office/drawing/2010/main" w="9525">
                   <a:solidFill>
                     <a:srgbClr val="000000"/>
                   </a:solidFill>
@@ -4317,7 +4317,7 @@
             </a:ln>
             <a:extLst>
               <a:ext uri="{91240B29-F687-4f45-9708-019B960494DF}">
-                <a14:hiddenLine xmlns:a14="http://schemas.microsoft.com/office/drawing/2010/main" xmlns="" w="9525">
+                <a14:hiddenLine xmlns="" xmlns:a14="http://schemas.microsoft.com/office/drawing/2010/main" w="9525">
                   <a:solidFill>
                     <a:srgbClr val="000000"/>
                   </a:solidFill>
@@ -4407,7 +4407,7 @@
             </a:ln>
             <a:extLst>
               <a:ext uri="{91240B29-F687-4f45-9708-019B960494DF}">
-                <a14:hiddenLine xmlns:a14="http://schemas.microsoft.com/office/drawing/2010/main" xmlns="" w="9525">
+                <a14:hiddenLine xmlns="" xmlns:a14="http://schemas.microsoft.com/office/drawing/2010/main" w="9525">
                   <a:solidFill>
                     <a:srgbClr val="000000"/>
                   </a:solidFill>
@@ -4469,7 +4469,7 @@
             </a:ln>
             <a:extLst>
               <a:ext uri="{91240B29-F687-4f45-9708-019B960494DF}">
-                <a14:hiddenLine xmlns:a14="http://schemas.microsoft.com/office/drawing/2010/main" xmlns="" w="9525">
+                <a14:hiddenLine xmlns="" xmlns:a14="http://schemas.microsoft.com/office/drawing/2010/main" w="9525">
                   <a:solidFill>
                     <a:srgbClr val="000000"/>
                   </a:solidFill>
@@ -4579,7 +4579,7 @@
             </a:ln>
             <a:extLst>
               <a:ext uri="{91240B29-F687-4f45-9708-019B960494DF}">
-                <a14:hiddenLine xmlns:a14="http://schemas.microsoft.com/office/drawing/2010/main" xmlns="" w="9525">
+                <a14:hiddenLine xmlns="" xmlns:a14="http://schemas.microsoft.com/office/drawing/2010/main" w="9525">
                   <a:solidFill>
                     <a:srgbClr val="000000"/>
                   </a:solidFill>
@@ -4641,7 +4641,7 @@
             </a:ln>
             <a:extLst>
               <a:ext uri="{91240B29-F687-4f45-9708-019B960494DF}">
-                <a14:hiddenLine xmlns:a14="http://schemas.microsoft.com/office/drawing/2010/main" xmlns="" w="9525">
+                <a14:hiddenLine xmlns="" xmlns:a14="http://schemas.microsoft.com/office/drawing/2010/main" w="9525">
                   <a:solidFill>
                     <a:srgbClr val="000000"/>
                   </a:solidFill>
@@ -4731,7 +4731,7 @@
             </a:ln>
             <a:extLst>
               <a:ext uri="{91240B29-F687-4f45-9708-019B960494DF}">
-                <a14:hiddenLine xmlns:a14="http://schemas.microsoft.com/office/drawing/2010/main" xmlns="" w="9525">
+                <a14:hiddenLine xmlns="" xmlns:a14="http://schemas.microsoft.com/office/drawing/2010/main" w="9525">
                   <a:solidFill>
                     <a:srgbClr val="000000"/>
                   </a:solidFill>
@@ -4821,7 +4821,7 @@
             </a:ln>
             <a:extLst>
               <a:ext uri="{91240B29-F687-4f45-9708-019B960494DF}">
-                <a14:hiddenLine xmlns:a14="http://schemas.microsoft.com/office/drawing/2010/main" xmlns="" w="9525">
+                <a14:hiddenLine xmlns="" xmlns:a14="http://schemas.microsoft.com/office/drawing/2010/main" w="9525">
                   <a:solidFill>
                     <a:srgbClr val="000000"/>
                   </a:solidFill>
@@ -4883,7 +4883,7 @@
             </a:ln>
             <a:extLst>
               <a:ext uri="{91240B29-F687-4f45-9708-019B960494DF}">
-                <a14:hiddenLine xmlns:a14="http://schemas.microsoft.com/office/drawing/2010/main" xmlns="" w="9525">
+                <a14:hiddenLine xmlns="" xmlns:a14="http://schemas.microsoft.com/office/drawing/2010/main" w="9525">
                   <a:solidFill>
                     <a:srgbClr val="000000"/>
                   </a:solidFill>
@@ -4973,7 +4973,7 @@
             </a:ln>
             <a:extLst>
               <a:ext uri="{91240B29-F687-4f45-9708-019B960494DF}">
-                <a14:hiddenLine xmlns:a14="http://schemas.microsoft.com/office/drawing/2010/main" xmlns="" w="9525">
+                <a14:hiddenLine xmlns="" xmlns:a14="http://schemas.microsoft.com/office/drawing/2010/main" w="9525">
                   <a:solidFill>
                     <a:srgbClr val="000000"/>
                   </a:solidFill>
@@ -5063,7 +5063,7 @@
             </a:ln>
             <a:extLst>
               <a:ext uri="{91240B29-F687-4f45-9708-019B960494DF}">
-                <a14:hiddenLine xmlns:a14="http://schemas.microsoft.com/office/drawing/2010/main" xmlns="" w="9525">
+                <a14:hiddenLine xmlns="" xmlns:a14="http://schemas.microsoft.com/office/drawing/2010/main" w="9525">
                   <a:solidFill>
                     <a:srgbClr val="000000"/>
                   </a:solidFill>
@@ -5119,7 +5119,7 @@
             </a:ln>
             <a:extLst>
               <a:ext uri="{91240B29-F687-4f45-9708-019B960494DF}">
-                <a14:hiddenLine xmlns:a14="http://schemas.microsoft.com/office/drawing/2010/main" xmlns="" w="9525">
+                <a14:hiddenLine xmlns="" xmlns:a14="http://schemas.microsoft.com/office/drawing/2010/main" w="9525">
                   <a:solidFill>
                     <a:srgbClr val="000000"/>
                   </a:solidFill>
@@ -5209,7 +5209,7 @@
             </a:ln>
             <a:extLst>
               <a:ext uri="{91240B29-F687-4f45-9708-019B960494DF}">
-                <a14:hiddenLine xmlns:a14="http://schemas.microsoft.com/office/drawing/2010/main" xmlns="" w="9525">
+                <a14:hiddenLine xmlns="" xmlns:a14="http://schemas.microsoft.com/office/drawing/2010/main" w="9525">
                   <a:solidFill>
                     <a:srgbClr val="000000"/>
                   </a:solidFill>
@@ -5265,7 +5265,7 @@
             </a:ln>
             <a:extLst>
               <a:ext uri="{91240B29-F687-4f45-9708-019B960494DF}">
-                <a14:hiddenLine xmlns:a14="http://schemas.microsoft.com/office/drawing/2010/main" xmlns="" w="9525">
+                <a14:hiddenLine xmlns="" xmlns:a14="http://schemas.microsoft.com/office/drawing/2010/main" w="9525">
                   <a:solidFill>
                     <a:srgbClr val="000000"/>
                   </a:solidFill>
@@ -5355,7 +5355,7 @@
             </a:ln>
             <a:extLst>
               <a:ext uri="{91240B29-F687-4f45-9708-019B960494DF}">
-                <a14:hiddenLine xmlns:a14="http://schemas.microsoft.com/office/drawing/2010/main" xmlns="" w="9525">
+                <a14:hiddenLine xmlns="" xmlns:a14="http://schemas.microsoft.com/office/drawing/2010/main" w="9525">
                   <a:solidFill>
                     <a:srgbClr val="000000"/>
                   </a:solidFill>
@@ -5423,7 +5423,7 @@
             </a:ln>
             <a:extLst>
               <a:ext uri="{91240B29-F687-4f45-9708-019B960494DF}">
-                <a14:hiddenLine xmlns:a14="http://schemas.microsoft.com/office/drawing/2010/main" xmlns="" w="9525">
+                <a14:hiddenLine xmlns="" xmlns:a14="http://schemas.microsoft.com/office/drawing/2010/main" w="9525">
                   <a:solidFill>
                     <a:srgbClr val="000000"/>
                   </a:solidFill>
@@ -5513,7 +5513,7 @@
             </a:ln>
             <a:extLst>
               <a:ext uri="{91240B29-F687-4f45-9708-019B960494DF}">
-                <a14:hiddenLine xmlns:a14="http://schemas.microsoft.com/office/drawing/2010/main" xmlns="" w="9525">
+                <a14:hiddenLine xmlns="" xmlns:a14="http://schemas.microsoft.com/office/drawing/2010/main" w="9525">
                   <a:solidFill>
                     <a:srgbClr val="000000"/>
                   </a:solidFill>
@@ -5581,7 +5581,7 @@
             </a:ln>
             <a:extLst>
               <a:ext uri="{91240B29-F687-4f45-9708-019B960494DF}">
-                <a14:hiddenLine xmlns:a14="http://schemas.microsoft.com/office/drawing/2010/main" xmlns="" w="9525">
+                <a14:hiddenLine xmlns="" xmlns:a14="http://schemas.microsoft.com/office/drawing/2010/main" w="9525">
                   <a:solidFill>
                     <a:srgbClr val="000000"/>
                   </a:solidFill>
@@ -5671,7 +5671,7 @@
             </a:ln>
             <a:extLst>
               <a:ext uri="{91240B29-F687-4f45-9708-019B960494DF}">
-                <a14:hiddenLine xmlns:a14="http://schemas.microsoft.com/office/drawing/2010/main" xmlns="" w="9525">
+                <a14:hiddenLine xmlns="" xmlns:a14="http://schemas.microsoft.com/office/drawing/2010/main" w="9525">
                   <a:solidFill>
                     <a:srgbClr val="000000"/>
                   </a:solidFill>
@@ -5705,7 +5705,7 @@
             </a:ln>
             <a:extLst>
               <a:ext uri="{91240B29-F687-4f45-9708-019B960494DF}">
-                <a14:hiddenLine xmlns:a14="http://schemas.microsoft.com/office/drawing/2010/main" xmlns="" w="9525">
+                <a14:hiddenLine xmlns="" xmlns:a14="http://schemas.microsoft.com/office/drawing/2010/main" w="9525">
                   <a:solidFill>
                     <a:srgbClr val="000000"/>
                   </a:solidFill>
@@ -5795,7 +5795,7 @@
             </a:ln>
             <a:extLst>
               <a:ext uri="{91240B29-F687-4f45-9708-019B960494DF}">
-                <a14:hiddenLine xmlns:a14="http://schemas.microsoft.com/office/drawing/2010/main" xmlns="" w="9525">
+                <a14:hiddenLine xmlns="" xmlns:a14="http://schemas.microsoft.com/office/drawing/2010/main" w="9525">
                   <a:solidFill>
                     <a:srgbClr val="000000"/>
                   </a:solidFill>
@@ -5857,7 +5857,7 @@
             </a:ln>
             <a:extLst>
               <a:ext uri="{91240B29-F687-4f45-9708-019B960494DF}">
-                <a14:hiddenLine xmlns:a14="http://schemas.microsoft.com/office/drawing/2010/main" xmlns="" w="9525">
+                <a14:hiddenLine xmlns="" xmlns:a14="http://schemas.microsoft.com/office/drawing/2010/main" w="9525">
                   <a:solidFill>
                     <a:srgbClr val="000000"/>
                   </a:solidFill>
@@ -5919,7 +5919,7 @@
             </a:ln>
             <a:extLst>
               <a:ext uri="{91240B29-F687-4f45-9708-019B960494DF}">
-                <a14:hiddenLine xmlns:a14="http://schemas.microsoft.com/office/drawing/2010/main" xmlns="" w="9525">
+                <a14:hiddenLine xmlns="" xmlns:a14="http://schemas.microsoft.com/office/drawing/2010/main" w="9525">
                   <a:solidFill>
                     <a:srgbClr val="000000"/>
                   </a:solidFill>
@@ -6009,7 +6009,7 @@
             </a:ln>
             <a:extLst>
               <a:ext uri="{91240B29-F687-4f45-9708-019B960494DF}">
-                <a14:hiddenLine xmlns:a14="http://schemas.microsoft.com/office/drawing/2010/main" xmlns="" w="9525">
+                <a14:hiddenLine xmlns="" xmlns:a14="http://schemas.microsoft.com/office/drawing/2010/main" w="9525">
                   <a:solidFill>
                     <a:srgbClr val="000000"/>
                   </a:solidFill>
@@ -6077,7 +6077,7 @@
             </a:ln>
             <a:extLst>
               <a:ext uri="{91240B29-F687-4f45-9708-019B960494DF}">
-                <a14:hiddenLine xmlns:a14="http://schemas.microsoft.com/office/drawing/2010/main" xmlns="" w="9525">
+                <a14:hiddenLine xmlns="" xmlns:a14="http://schemas.microsoft.com/office/drawing/2010/main" w="9525">
                   <a:solidFill>
                     <a:srgbClr val="000000"/>
                   </a:solidFill>
@@ -6139,7 +6139,7 @@
             </a:ln>
             <a:extLst>
               <a:ext uri="{91240B29-F687-4f45-9708-019B960494DF}">
-                <a14:hiddenLine xmlns:a14="http://schemas.microsoft.com/office/drawing/2010/main" xmlns="" w="9525">
+                <a14:hiddenLine xmlns="" xmlns:a14="http://schemas.microsoft.com/office/drawing/2010/main" w="9525">
                   <a:solidFill>
                     <a:srgbClr val="000000"/>
                   </a:solidFill>
@@ -6229,7 +6229,7 @@
             </a:ln>
             <a:extLst>
               <a:ext uri="{91240B29-F687-4f45-9708-019B960494DF}">
-                <a14:hiddenLine xmlns:a14="http://schemas.microsoft.com/office/drawing/2010/main" xmlns="" w="9525">
+                <a14:hiddenLine xmlns="" xmlns:a14="http://schemas.microsoft.com/office/drawing/2010/main" w="9525">
                   <a:solidFill>
                     <a:srgbClr val="000000"/>
                   </a:solidFill>
@@ -6291,7 +6291,7 @@
             </a:ln>
             <a:extLst>
               <a:ext uri="{91240B29-F687-4f45-9708-019B960494DF}">
-                <a14:hiddenLine xmlns:a14="http://schemas.microsoft.com/office/drawing/2010/main" xmlns="" w="9525">
+                <a14:hiddenLine xmlns="" xmlns:a14="http://schemas.microsoft.com/office/drawing/2010/main" w="9525">
                   <a:solidFill>
                     <a:srgbClr val="000000"/>
                   </a:solidFill>
@@ -6381,7 +6381,7 @@
             </a:ln>
             <a:extLst>
               <a:ext uri="{91240B29-F687-4f45-9708-019B960494DF}">
-                <a14:hiddenLine xmlns:a14="http://schemas.microsoft.com/office/drawing/2010/main" xmlns="" w="9525">
+                <a14:hiddenLine xmlns="" xmlns:a14="http://schemas.microsoft.com/office/drawing/2010/main" w="9525">
                   <a:solidFill>
                     <a:srgbClr val="000000"/>
                   </a:solidFill>
@@ -6443,7 +6443,7 @@
             </a:ln>
             <a:extLst>
               <a:ext uri="{91240B29-F687-4f45-9708-019B960494DF}">
-                <a14:hiddenLine xmlns:a14="http://schemas.microsoft.com/office/drawing/2010/main" xmlns="" w="9525">
+                <a14:hiddenLine xmlns="" xmlns:a14="http://schemas.microsoft.com/office/drawing/2010/main" w="9525">
                   <a:solidFill>
                     <a:srgbClr val="000000"/>
                   </a:solidFill>
@@ -6533,7 +6533,7 @@
             </a:ln>
             <a:extLst>
               <a:ext uri="{91240B29-F687-4f45-9708-019B960494DF}">
-                <a14:hiddenLine xmlns:a14="http://schemas.microsoft.com/office/drawing/2010/main" xmlns="" w="9525">
+                <a14:hiddenLine xmlns="" xmlns:a14="http://schemas.microsoft.com/office/drawing/2010/main" w="9525">
                   <a:solidFill>
                     <a:srgbClr val="000000"/>
                   </a:solidFill>
@@ -6567,7 +6567,7 @@
             </a:ln>
             <a:extLst>
               <a:ext uri="{91240B29-F687-4f45-9708-019B960494DF}">
-                <a14:hiddenLine xmlns:a14="http://schemas.microsoft.com/office/drawing/2010/main" xmlns="" w="9525">
+                <a14:hiddenLine xmlns="" xmlns:a14="http://schemas.microsoft.com/office/drawing/2010/main" w="9525">
                   <a:solidFill>
                     <a:srgbClr val="000000"/>
                   </a:solidFill>
@@ -6632,7 +6632,7 @@
             </a:ln>
             <a:extLst>
               <a:ext uri="{91240B29-F687-4f45-9708-019B960494DF}">
-                <a14:hiddenLine xmlns:a14="http://schemas.microsoft.com/office/drawing/2010/main" xmlns="" w="9525">
+                <a14:hiddenLine xmlns="" xmlns:a14="http://schemas.microsoft.com/office/drawing/2010/main" w="9525">
                   <a:solidFill>
                     <a:srgbClr val="000000"/>
                   </a:solidFill>
@@ -6722,7 +6722,7 @@
             </a:ln>
             <a:extLst>
               <a:ext uri="{91240B29-F687-4f45-9708-019B960494DF}">
-                <a14:hiddenLine xmlns:a14="http://schemas.microsoft.com/office/drawing/2010/main" xmlns="" w="9525">
+                <a14:hiddenLine xmlns="" xmlns:a14="http://schemas.microsoft.com/office/drawing/2010/main" w="9525">
                   <a:solidFill>
                     <a:srgbClr val="000000"/>
                   </a:solidFill>
@@ -6784,7 +6784,7 @@
             </a:ln>
             <a:extLst>
               <a:ext uri="{91240B29-F687-4f45-9708-019B960494DF}">
-                <a14:hiddenLine xmlns:a14="http://schemas.microsoft.com/office/drawing/2010/main" xmlns="" w="9525">
+                <a14:hiddenLine xmlns="" xmlns:a14="http://schemas.microsoft.com/office/drawing/2010/main" w="9525">
                   <a:solidFill>
                     <a:srgbClr val="000000"/>
                   </a:solidFill>
@@ -6874,7 +6874,7 @@
             </a:ln>
             <a:extLst>
               <a:ext uri="{91240B29-F687-4f45-9708-019B960494DF}">
-                <a14:hiddenLine xmlns:a14="http://schemas.microsoft.com/office/drawing/2010/main" xmlns="" w="9525">
+                <a14:hiddenLine xmlns="" xmlns:a14="http://schemas.microsoft.com/office/drawing/2010/main" w="9525">
                   <a:solidFill>
                     <a:srgbClr val="000000"/>
                   </a:solidFill>
@@ -6964,7 +6964,7 @@
             </a:ln>
             <a:extLst>
               <a:ext uri="{91240B29-F687-4f45-9708-019B960494DF}">
-                <a14:hiddenLine xmlns:a14="http://schemas.microsoft.com/office/drawing/2010/main" xmlns="" w="9525">
+                <a14:hiddenLine xmlns="" xmlns:a14="http://schemas.microsoft.com/office/drawing/2010/main" w="9525">
                   <a:solidFill>
                     <a:srgbClr val="000000"/>
                   </a:solidFill>
@@ -7029,7 +7029,7 @@
             </a:ln>
             <a:extLst>
               <a:ext uri="{91240B29-F687-4f45-9708-019B960494DF}">
-                <a14:hiddenLine xmlns:a14="http://schemas.microsoft.com/office/drawing/2010/main" xmlns="" w="9525">
+                <a14:hiddenLine xmlns="" xmlns:a14="http://schemas.microsoft.com/office/drawing/2010/main" w="9525">
                   <a:solidFill>
                     <a:srgbClr val="000000"/>
                   </a:solidFill>
@@ -7091,7 +7091,7 @@
             </a:ln>
             <a:extLst>
               <a:ext uri="{91240B29-F687-4f45-9708-019B960494DF}">
-                <a14:hiddenLine xmlns:a14="http://schemas.microsoft.com/office/drawing/2010/main" xmlns="" w="9525">
+                <a14:hiddenLine xmlns="" xmlns:a14="http://schemas.microsoft.com/office/drawing/2010/main" w="9525">
                   <a:solidFill>
                     <a:srgbClr val="000000"/>
                   </a:solidFill>
@@ -7181,7 +7181,7 @@
             </a:ln>
             <a:extLst>
               <a:ext uri="{91240B29-F687-4f45-9708-019B960494DF}">
-                <a14:hiddenLine xmlns:a14="http://schemas.microsoft.com/office/drawing/2010/main" xmlns="" w="9525">
+                <a14:hiddenLine xmlns="" xmlns:a14="http://schemas.microsoft.com/office/drawing/2010/main" w="9525">
                   <a:solidFill>
                     <a:srgbClr val="000000"/>
                   </a:solidFill>
@@ -7271,7 +7271,7 @@
             </a:ln>
             <a:extLst>
               <a:ext uri="{91240B29-F687-4f45-9708-019B960494DF}">
-                <a14:hiddenLine xmlns:a14="http://schemas.microsoft.com/office/drawing/2010/main" xmlns="" w="9525">
+                <a14:hiddenLine xmlns="" xmlns:a14="http://schemas.microsoft.com/office/drawing/2010/main" w="9525">
                   <a:solidFill>
                     <a:srgbClr val="000000"/>
                   </a:solidFill>
@@ -7333,7 +7333,7 @@
             </a:ln>
             <a:extLst>
               <a:ext uri="{91240B29-F687-4f45-9708-019B960494DF}">
-                <a14:hiddenLine xmlns:a14="http://schemas.microsoft.com/office/drawing/2010/main" xmlns="" w="9525">
+                <a14:hiddenLine xmlns="" xmlns:a14="http://schemas.microsoft.com/office/drawing/2010/main" w="9525">
                   <a:solidFill>
                     <a:srgbClr val="000000"/>
                   </a:solidFill>
@@ -7453,7 +7453,7 @@
             </a:ln>
             <a:extLst>
               <a:ext uri="{91240B29-F687-4f45-9708-019B960494DF}">
-                <a14:hiddenLine xmlns:a14="http://schemas.microsoft.com/office/drawing/2010/main" xmlns="" w="9525">
+                <a14:hiddenLine xmlns="" xmlns:a14="http://schemas.microsoft.com/office/drawing/2010/main" w="9525">
                   <a:solidFill>
                     <a:srgbClr val="000000"/>
                   </a:solidFill>
@@ -7521,7 +7521,7 @@
             </a:ln>
             <a:extLst>
               <a:ext uri="{91240B29-F687-4f45-9708-019B960494DF}">
-                <a14:hiddenLine xmlns:a14="http://schemas.microsoft.com/office/drawing/2010/main" xmlns="" w="9525">
+                <a14:hiddenLine xmlns="" xmlns:a14="http://schemas.microsoft.com/office/drawing/2010/main" w="9525">
                   <a:solidFill>
                     <a:srgbClr val="000000"/>
                   </a:solidFill>
@@ -7611,7 +7611,7 @@
             </a:ln>
             <a:extLst>
               <a:ext uri="{91240B29-F687-4f45-9708-019B960494DF}">
-                <a14:hiddenLine xmlns:a14="http://schemas.microsoft.com/office/drawing/2010/main" xmlns="" w="9525">
+                <a14:hiddenLine xmlns="" xmlns:a14="http://schemas.microsoft.com/office/drawing/2010/main" w="9525">
                   <a:solidFill>
                     <a:srgbClr val="000000"/>
                   </a:solidFill>
@@ -7751,7 +7751,7 @@
           <a:p>
             <a:fld id="{01040605-618D-4BAF-9698-353458EA0477}" type="datetimeFigureOut">
               <a:rPr lang="de-DE" smtClean="0"/>
-              <a:t>11.05.2021</a:t>
+              <a:t>12.05.2021</a:t>
             </a:fld>
             <a:endParaRPr lang="de-DE" dirty="0"/>
           </a:p>
@@ -7803,7 +7803,7 @@
           <a:p>
             <a:fld id="{7B4890B0-7455-4736-B300-FEFCFECB372B}" type="slidenum">
               <a:rPr lang="de-DE" smtClean="0"/>
-              <a:t>‹Nr.›</a:t>
+              <a:t>‹#›</a:t>
             </a:fld>
             <a:endParaRPr lang="de-DE" dirty="0"/>
           </a:p>
@@ -8017,7 +8017,7 @@
           <a:p>
             <a:fld id="{01040605-618D-4BAF-9698-353458EA0477}" type="datetimeFigureOut">
               <a:rPr lang="de-DE" smtClean="0"/>
-              <a:t>11.05.2021</a:t>
+              <a:t>12.05.2021</a:t>
             </a:fld>
             <a:endParaRPr lang="de-DE" dirty="0"/>
           </a:p>
@@ -8059,7 +8059,7 @@
           <a:p>
             <a:fld id="{7B4890B0-7455-4736-B300-FEFCFECB372B}" type="slidenum">
               <a:rPr lang="de-DE" smtClean="0"/>
-              <a:t>‹Nr.›</a:t>
+              <a:t>‹#›</a:t>
             </a:fld>
             <a:endParaRPr lang="de-DE" dirty="0"/>
           </a:p>
@@ -8213,7 +8213,7 @@
           <a:p>
             <a:fld id="{01040605-618D-4BAF-9698-353458EA0477}" type="datetimeFigureOut">
               <a:rPr lang="de-DE" smtClean="0"/>
-              <a:t>11.05.2021</a:t>
+              <a:t>12.05.2021</a:t>
             </a:fld>
             <a:endParaRPr lang="de-DE" dirty="0"/>
           </a:p>
@@ -8255,7 +8255,7 @@
           <a:p>
             <a:fld id="{7B4890B0-7455-4736-B300-FEFCFECB372B}" type="slidenum">
               <a:rPr lang="de-DE" smtClean="0"/>
-              <a:t>‹Nr.›</a:t>
+              <a:t>‹#›</a:t>
             </a:fld>
             <a:endParaRPr lang="de-DE" dirty="0"/>
           </a:p>
@@ -8476,7 +8476,7 @@
           <a:p>
             <a:fld id="{01040605-618D-4BAF-9698-353458EA0477}" type="datetimeFigureOut">
               <a:rPr lang="de-DE" smtClean="0"/>
-              <a:t>11.05.2021</a:t>
+              <a:t>12.05.2021</a:t>
             </a:fld>
             <a:endParaRPr lang="de-DE" dirty="0"/>
           </a:p>
@@ -8518,7 +8518,7 @@
           <a:p>
             <a:fld id="{7B4890B0-7455-4736-B300-FEFCFECB372B}" type="slidenum">
               <a:rPr lang="de-DE" smtClean="0"/>
-              <a:t>‹Nr.›</a:t>
+              <a:t>‹#›</a:t>
             </a:fld>
             <a:endParaRPr lang="de-DE" dirty="0"/>
           </a:p>
@@ -8910,7 +8910,7 @@
           <a:p>
             <a:fld id="{01040605-618D-4BAF-9698-353458EA0477}" type="datetimeFigureOut">
               <a:rPr lang="de-DE" smtClean="0"/>
-              <a:t>11.05.2021</a:t>
+              <a:t>12.05.2021</a:t>
             </a:fld>
             <a:endParaRPr lang="de-DE" dirty="0"/>
           </a:p>
@@ -8952,7 +8952,7 @@
           <a:p>
             <a:fld id="{7B4890B0-7455-4736-B300-FEFCFECB372B}" type="slidenum">
               <a:rPr lang="de-DE" smtClean="0"/>
-              <a:t>‹Nr.›</a:t>
+              <a:t>‹#›</a:t>
             </a:fld>
             <a:endParaRPr lang="de-DE" dirty="0"/>
           </a:p>
@@ -9456,7 +9456,7 @@
           <a:p>
             <a:fld id="{01040605-618D-4BAF-9698-353458EA0477}" type="datetimeFigureOut">
               <a:rPr lang="de-DE" smtClean="0"/>
-              <a:t>11.05.2021</a:t>
+              <a:t>12.05.2021</a:t>
             </a:fld>
             <a:endParaRPr lang="de-DE" dirty="0"/>
           </a:p>
@@ -9498,7 +9498,7 @@
           <a:p>
             <a:fld id="{7B4890B0-7455-4736-B300-FEFCFECB372B}" type="slidenum">
               <a:rPr lang="de-DE" smtClean="0"/>
-              <a:t>‹Nr.›</a:t>
+              <a:t>‹#›</a:t>
             </a:fld>
             <a:endParaRPr lang="de-DE" dirty="0"/>
           </a:p>
@@ -10173,7 +10173,7 @@
           <a:p>
             <a:fld id="{01040605-618D-4BAF-9698-353458EA0477}" type="datetimeFigureOut">
               <a:rPr lang="de-DE" smtClean="0"/>
-              <a:t>11.05.2021</a:t>
+              <a:t>12.05.2021</a:t>
             </a:fld>
             <a:endParaRPr lang="de-DE" dirty="0"/>
           </a:p>
@@ -10215,7 +10215,7 @@
           <a:p>
             <a:fld id="{7B4890B0-7455-4736-B300-FEFCFECB372B}" type="slidenum">
               <a:rPr lang="de-DE" smtClean="0"/>
-              <a:t>‹Nr.›</a:t>
+              <a:t>‹#›</a:t>
             </a:fld>
             <a:endParaRPr lang="de-DE" dirty="0"/>
           </a:p>
@@ -10343,7 +10343,7 @@
           <a:p>
             <a:fld id="{01040605-618D-4BAF-9698-353458EA0477}" type="datetimeFigureOut">
               <a:rPr lang="de-DE" smtClean="0"/>
-              <a:t>11.05.2021</a:t>
+              <a:t>12.05.2021</a:t>
             </a:fld>
             <a:endParaRPr lang="de-DE" dirty="0"/>
           </a:p>
@@ -10385,7 +10385,7 @@
           <a:p>
             <a:fld id="{7B4890B0-7455-4736-B300-FEFCFECB372B}" type="slidenum">
               <a:rPr lang="de-DE" smtClean="0"/>
-              <a:t>‹Nr.›</a:t>
+              <a:t>‹#›</a:t>
             </a:fld>
             <a:endParaRPr lang="de-DE" dirty="0"/>
           </a:p>
@@ -10523,7 +10523,7 @@
           <a:p>
             <a:fld id="{01040605-618D-4BAF-9698-353458EA0477}" type="datetimeFigureOut">
               <a:rPr lang="de-DE" smtClean="0"/>
-              <a:t>11.05.2021</a:t>
+              <a:t>12.05.2021</a:t>
             </a:fld>
             <a:endParaRPr lang="de-DE" dirty="0"/>
           </a:p>
@@ -10565,7 +10565,7 @@
           <a:p>
             <a:fld id="{7B4890B0-7455-4736-B300-FEFCFECB372B}" type="slidenum">
               <a:rPr lang="de-DE" smtClean="0"/>
-              <a:t>‹Nr.›</a:t>
+              <a:t>‹#›</a:t>
             </a:fld>
             <a:endParaRPr lang="de-DE" dirty="0"/>
           </a:p>
@@ -10693,7 +10693,7 @@
           <a:p>
             <a:fld id="{01040605-618D-4BAF-9698-353458EA0477}" type="datetimeFigureOut">
               <a:rPr lang="de-DE" smtClean="0"/>
-              <a:t>11.05.2021</a:t>
+              <a:t>12.05.2021</a:t>
             </a:fld>
             <a:endParaRPr lang="de-DE" dirty="0"/>
           </a:p>
@@ -10735,7 +10735,7 @@
           <a:p>
             <a:fld id="{7B4890B0-7455-4736-B300-FEFCFECB372B}" type="slidenum">
               <a:rPr lang="de-DE" smtClean="0"/>
-              <a:t>‹Nr.›</a:t>
+              <a:t>‹#›</a:t>
             </a:fld>
             <a:endParaRPr lang="de-DE" dirty="0"/>
           </a:p>
@@ -10943,7 +10943,7 @@
           <a:p>
             <a:fld id="{01040605-618D-4BAF-9698-353458EA0477}" type="datetimeFigureOut">
               <a:rPr lang="de-DE" smtClean="0"/>
-              <a:t>11.05.2021</a:t>
+              <a:t>12.05.2021</a:t>
             </a:fld>
             <a:endParaRPr lang="de-DE" dirty="0"/>
           </a:p>
@@ -10985,7 +10985,7 @@
           <a:p>
             <a:fld id="{7B4890B0-7455-4736-B300-FEFCFECB372B}" type="slidenum">
               <a:rPr lang="de-DE" smtClean="0"/>
-              <a:t>‹Nr.›</a:t>
+              <a:t>‹#›</a:t>
             </a:fld>
             <a:endParaRPr lang="de-DE" dirty="0"/>
           </a:p>
@@ -11175,7 +11175,7 @@
           <a:p>
             <a:fld id="{01040605-618D-4BAF-9698-353458EA0477}" type="datetimeFigureOut">
               <a:rPr lang="de-DE" smtClean="0"/>
-              <a:t>11.05.2021</a:t>
+              <a:t>12.05.2021</a:t>
             </a:fld>
             <a:endParaRPr lang="de-DE" dirty="0"/>
           </a:p>
@@ -11217,7 +11217,7 @@
           <a:p>
             <a:fld id="{7B4890B0-7455-4736-B300-FEFCFECB372B}" type="slidenum">
               <a:rPr lang="de-DE" smtClean="0"/>
-              <a:t>‹Nr.›</a:t>
+              <a:t>‹#›</a:t>
             </a:fld>
             <a:endParaRPr lang="de-DE" dirty="0"/>
           </a:p>
@@ -11556,7 +11556,7 @@
           <a:p>
             <a:fld id="{01040605-618D-4BAF-9698-353458EA0477}" type="datetimeFigureOut">
               <a:rPr lang="de-DE" smtClean="0"/>
-              <a:t>11.05.2021</a:t>
+              <a:t>12.05.2021</a:t>
             </a:fld>
             <a:endParaRPr lang="de-DE" dirty="0"/>
           </a:p>
@@ -11598,7 +11598,7 @@
           <a:p>
             <a:fld id="{7B4890B0-7455-4736-B300-FEFCFECB372B}" type="slidenum">
               <a:rPr lang="de-DE" smtClean="0"/>
-              <a:t>‹Nr.›</a:t>
+              <a:t>‹#›</a:t>
             </a:fld>
             <a:endParaRPr lang="de-DE" dirty="0"/>
           </a:p>
@@ -11674,7 +11674,7 @@
           <a:p>
             <a:fld id="{01040605-618D-4BAF-9698-353458EA0477}" type="datetimeFigureOut">
               <a:rPr lang="de-DE" smtClean="0"/>
-              <a:t>11.05.2021</a:t>
+              <a:t>12.05.2021</a:t>
             </a:fld>
             <a:endParaRPr lang="de-DE" dirty="0"/>
           </a:p>
@@ -11716,7 +11716,7 @@
           <a:p>
             <a:fld id="{7B4890B0-7455-4736-B300-FEFCFECB372B}" type="slidenum">
               <a:rPr lang="de-DE" smtClean="0"/>
-              <a:t>‹Nr.›</a:t>
+              <a:t>‹#›</a:t>
             </a:fld>
             <a:endParaRPr lang="de-DE" dirty="0"/>
           </a:p>
@@ -11769,7 +11769,7 @@
           <a:p>
             <a:fld id="{01040605-618D-4BAF-9698-353458EA0477}" type="datetimeFigureOut">
               <a:rPr lang="de-DE" smtClean="0"/>
-              <a:t>11.05.2021</a:t>
+              <a:t>12.05.2021</a:t>
             </a:fld>
             <a:endParaRPr lang="de-DE" dirty="0"/>
           </a:p>
@@ -11811,7 +11811,7 @@
           <a:p>
             <a:fld id="{7B4890B0-7455-4736-B300-FEFCFECB372B}" type="slidenum">
               <a:rPr lang="de-DE" smtClean="0"/>
-              <a:t>‹Nr.›</a:t>
+              <a:t>‹#›</a:t>
             </a:fld>
             <a:endParaRPr lang="de-DE" dirty="0"/>
           </a:p>
@@ -12018,7 +12018,7 @@
           <a:p>
             <a:fld id="{01040605-618D-4BAF-9698-353458EA0477}" type="datetimeFigureOut">
               <a:rPr lang="de-DE" smtClean="0"/>
-              <a:t>11.05.2021</a:t>
+              <a:t>12.05.2021</a:t>
             </a:fld>
             <a:endParaRPr lang="de-DE" dirty="0"/>
           </a:p>
@@ -12060,7 +12060,7 @@
           <a:p>
             <a:fld id="{7B4890B0-7455-4736-B300-FEFCFECB372B}" type="slidenum">
               <a:rPr lang="de-DE" smtClean="0"/>
-              <a:t>‹Nr.›</a:t>
+              <a:t>‹#›</a:t>
             </a:fld>
             <a:endParaRPr lang="de-DE" dirty="0"/>
           </a:p>
@@ -12297,7 +12297,7 @@
           <a:p>
             <a:fld id="{01040605-618D-4BAF-9698-353458EA0477}" type="datetimeFigureOut">
               <a:rPr lang="de-DE" smtClean="0"/>
-              <a:t>11.05.2021</a:t>
+              <a:t>12.05.2021</a:t>
             </a:fld>
             <a:endParaRPr lang="de-DE" dirty="0"/>
           </a:p>
@@ -12339,7 +12339,7 @@
           <a:p>
             <a:fld id="{7B4890B0-7455-4736-B300-FEFCFECB372B}" type="slidenum">
               <a:rPr lang="de-DE" smtClean="0"/>
-              <a:t>‹Nr.›</a:t>
+              <a:t>‹#›</a:t>
             </a:fld>
             <a:endParaRPr lang="de-DE" dirty="0"/>
           </a:p>
@@ -12413,7 +12413,7 @@
           <a:noFill/>
           <a:extLst>
             <a:ext uri="{909E8E84-426E-40dd-AFC4-6F175D3DCCD1}">
-              <a14:hiddenFill xmlns:a14="http://schemas.microsoft.com/office/drawing/2010/main" xmlns="">
+              <a14:hiddenFill xmlns="" xmlns:a14="http://schemas.microsoft.com/office/drawing/2010/main">
                 <a:solidFill>
                   <a:srgbClr val="FFFFFF"/>
                 </a:solidFill>
@@ -12487,7 +12487,7 @@
               </a:ln>
               <a:extLst>
                 <a:ext uri="{91240B29-F687-4f45-9708-019B960494DF}">
-                  <a14:hiddenLine xmlns:a14="http://schemas.microsoft.com/office/drawing/2010/main" xmlns="" w="9525">
+                  <a14:hiddenLine xmlns="" xmlns:a14="http://schemas.microsoft.com/office/drawing/2010/main" w="9525">
                     <a:solidFill>
                       <a:srgbClr val="000000"/>
                     </a:solidFill>
@@ -12577,7 +12577,7 @@
               </a:ln>
               <a:extLst>
                 <a:ext uri="{91240B29-F687-4f45-9708-019B960494DF}">
-                  <a14:hiddenLine xmlns:a14="http://schemas.microsoft.com/office/drawing/2010/main" xmlns="" w="9525">
+                  <a14:hiddenLine xmlns="" xmlns:a14="http://schemas.microsoft.com/office/drawing/2010/main" w="9525">
                     <a:solidFill>
                       <a:srgbClr val="000000"/>
                     </a:solidFill>
@@ -12667,7 +12667,7 @@
               </a:ln>
               <a:extLst>
                 <a:ext uri="{91240B29-F687-4f45-9708-019B960494DF}">
-                  <a14:hiddenLine xmlns:a14="http://schemas.microsoft.com/office/drawing/2010/main" xmlns="" w="9525">
+                  <a14:hiddenLine xmlns="" xmlns:a14="http://schemas.microsoft.com/office/drawing/2010/main" w="9525">
                     <a:solidFill>
                       <a:srgbClr val="000000"/>
                     </a:solidFill>
@@ -12729,7 +12729,7 @@
               </a:ln>
               <a:extLst>
                 <a:ext uri="{91240B29-F687-4f45-9708-019B960494DF}">
-                  <a14:hiddenLine xmlns:a14="http://schemas.microsoft.com/office/drawing/2010/main" xmlns="" w="9525">
+                  <a14:hiddenLine xmlns="" xmlns:a14="http://schemas.microsoft.com/office/drawing/2010/main" w="9525">
                     <a:solidFill>
                       <a:srgbClr val="000000"/>
                     </a:solidFill>
@@ -12819,7 +12819,7 @@
               </a:ln>
               <a:extLst>
                 <a:ext uri="{91240B29-F687-4f45-9708-019B960494DF}">
-                  <a14:hiddenLine xmlns:a14="http://schemas.microsoft.com/office/drawing/2010/main" xmlns="" w="9525">
+                  <a14:hiddenLine xmlns="" xmlns:a14="http://schemas.microsoft.com/office/drawing/2010/main" w="9525">
                     <a:solidFill>
                       <a:srgbClr val="000000"/>
                     </a:solidFill>
@@ -12881,7 +12881,7 @@
               </a:ln>
               <a:extLst>
                 <a:ext uri="{91240B29-F687-4f45-9708-019B960494DF}">
-                  <a14:hiddenLine xmlns:a14="http://schemas.microsoft.com/office/drawing/2010/main" xmlns="" w="9525">
+                  <a14:hiddenLine xmlns="" xmlns:a14="http://schemas.microsoft.com/office/drawing/2010/main" w="9525">
                     <a:solidFill>
                       <a:srgbClr val="000000"/>
                     </a:solidFill>
@@ -12943,7 +12943,7 @@
               </a:ln>
               <a:extLst>
                 <a:ext uri="{91240B29-F687-4f45-9708-019B960494DF}">
-                  <a14:hiddenLine xmlns:a14="http://schemas.microsoft.com/office/drawing/2010/main" xmlns="" w="9525">
+                  <a14:hiddenLine xmlns="" xmlns:a14="http://schemas.microsoft.com/office/drawing/2010/main" w="9525">
                     <a:solidFill>
                       <a:srgbClr val="000000"/>
                     </a:solidFill>
@@ -13033,7 +13033,7 @@
               </a:ln>
               <a:extLst>
                 <a:ext uri="{91240B29-F687-4f45-9708-019B960494DF}">
-                  <a14:hiddenLine xmlns:a14="http://schemas.microsoft.com/office/drawing/2010/main" xmlns="" w="9525">
+                  <a14:hiddenLine xmlns="" xmlns:a14="http://schemas.microsoft.com/office/drawing/2010/main" w="9525">
                     <a:solidFill>
                       <a:srgbClr val="000000"/>
                     </a:solidFill>
@@ -13123,7 +13123,7 @@
               </a:ln>
               <a:extLst>
                 <a:ext uri="{91240B29-F687-4f45-9708-019B960494DF}">
-                  <a14:hiddenLine xmlns:a14="http://schemas.microsoft.com/office/drawing/2010/main" xmlns="" w="9525">
+                  <a14:hiddenLine xmlns="" xmlns:a14="http://schemas.microsoft.com/office/drawing/2010/main" w="9525">
                     <a:solidFill>
                       <a:srgbClr val="000000"/>
                     </a:solidFill>
@@ -13185,7 +13185,7 @@
               </a:ln>
               <a:extLst>
                 <a:ext uri="{91240B29-F687-4f45-9708-019B960494DF}">
-                  <a14:hiddenLine xmlns:a14="http://schemas.microsoft.com/office/drawing/2010/main" xmlns="" w="9525">
+                  <a14:hiddenLine xmlns="" xmlns:a14="http://schemas.microsoft.com/office/drawing/2010/main" w="9525">
                     <a:solidFill>
                       <a:srgbClr val="000000"/>
                     </a:solidFill>
@@ -13295,7 +13295,7 @@
               </a:ln>
               <a:extLst>
                 <a:ext uri="{91240B29-F687-4f45-9708-019B960494DF}">
-                  <a14:hiddenLine xmlns:a14="http://schemas.microsoft.com/office/drawing/2010/main" xmlns="" w="9525">
+                  <a14:hiddenLine xmlns="" xmlns:a14="http://schemas.microsoft.com/office/drawing/2010/main" w="9525">
                     <a:solidFill>
                       <a:srgbClr val="000000"/>
                     </a:solidFill>
@@ -13379,7 +13379,7 @@
               </a:ln>
               <a:extLst>
                 <a:ext uri="{91240B29-F687-4f45-9708-019B960494DF}">
-                  <a14:hiddenLine xmlns:a14="http://schemas.microsoft.com/office/drawing/2010/main" xmlns="" w="9525">
+                  <a14:hiddenLine xmlns="" xmlns:a14="http://schemas.microsoft.com/office/drawing/2010/main" w="9525">
                     <a:solidFill>
                       <a:srgbClr val="000000"/>
                     </a:solidFill>
@@ -13441,7 +13441,7 @@
               </a:ln>
               <a:extLst>
                 <a:ext uri="{91240B29-F687-4f45-9708-019B960494DF}">
-                  <a14:hiddenLine xmlns:a14="http://schemas.microsoft.com/office/drawing/2010/main" xmlns="" w="9525">
+                  <a14:hiddenLine xmlns="" xmlns:a14="http://schemas.microsoft.com/office/drawing/2010/main" w="9525">
                     <a:solidFill>
                       <a:srgbClr val="000000"/>
                     </a:solidFill>
@@ -13503,7 +13503,7 @@
               </a:ln>
               <a:extLst>
                 <a:ext uri="{91240B29-F687-4f45-9708-019B960494DF}">
-                  <a14:hiddenLine xmlns:a14="http://schemas.microsoft.com/office/drawing/2010/main" xmlns="" w="9525">
+                  <a14:hiddenLine xmlns="" xmlns:a14="http://schemas.microsoft.com/office/drawing/2010/main" w="9525">
                     <a:solidFill>
                       <a:srgbClr val="000000"/>
                     </a:solidFill>
@@ -13593,7 +13593,7 @@
               </a:ln>
               <a:extLst>
                 <a:ext uri="{91240B29-F687-4f45-9708-019B960494DF}">
-                  <a14:hiddenLine xmlns:a14="http://schemas.microsoft.com/office/drawing/2010/main" xmlns="" w="9525">
+                  <a14:hiddenLine xmlns="" xmlns:a14="http://schemas.microsoft.com/office/drawing/2010/main" w="9525">
                     <a:solidFill>
                       <a:srgbClr val="000000"/>
                     </a:solidFill>
@@ -13627,7 +13627,7 @@
               </a:ln>
               <a:extLst>
                 <a:ext uri="{91240B29-F687-4f45-9708-019B960494DF}">
-                  <a14:hiddenLine xmlns:a14="http://schemas.microsoft.com/office/drawing/2010/main" xmlns="" w="9525">
+                  <a14:hiddenLine xmlns="" xmlns:a14="http://schemas.microsoft.com/office/drawing/2010/main" w="9525">
                     <a:solidFill>
                       <a:srgbClr val="000000"/>
                     </a:solidFill>
@@ -13692,7 +13692,7 @@
               </a:ln>
               <a:extLst>
                 <a:ext uri="{91240B29-F687-4f45-9708-019B960494DF}">
-                  <a14:hiddenLine xmlns:a14="http://schemas.microsoft.com/office/drawing/2010/main" xmlns="" w="9525">
+                  <a14:hiddenLine xmlns="" xmlns:a14="http://schemas.microsoft.com/office/drawing/2010/main" w="9525">
                     <a:solidFill>
                       <a:srgbClr val="000000"/>
                     </a:solidFill>
@@ -13782,7 +13782,7 @@
               </a:ln>
               <a:extLst>
                 <a:ext uri="{91240B29-F687-4f45-9708-019B960494DF}">
-                  <a14:hiddenLine xmlns:a14="http://schemas.microsoft.com/office/drawing/2010/main" xmlns="" w="9525">
+                  <a14:hiddenLine xmlns="" xmlns:a14="http://schemas.microsoft.com/office/drawing/2010/main" w="9525">
                     <a:solidFill>
                       <a:srgbClr val="000000"/>
                     </a:solidFill>
@@ -13844,7 +13844,7 @@
               </a:ln>
               <a:extLst>
                 <a:ext uri="{91240B29-F687-4f45-9708-019B960494DF}">
-                  <a14:hiddenLine xmlns:a14="http://schemas.microsoft.com/office/drawing/2010/main" xmlns="" w="9525">
+                  <a14:hiddenLine xmlns="" xmlns:a14="http://schemas.microsoft.com/office/drawing/2010/main" w="9525">
                     <a:solidFill>
                       <a:srgbClr val="000000"/>
                     </a:solidFill>
@@ -13934,7 +13934,7 @@
               </a:ln>
               <a:extLst>
                 <a:ext uri="{91240B29-F687-4f45-9708-019B960494DF}">
-                  <a14:hiddenLine xmlns:a14="http://schemas.microsoft.com/office/drawing/2010/main" xmlns="" w="9525">
+                  <a14:hiddenLine xmlns="" xmlns:a14="http://schemas.microsoft.com/office/drawing/2010/main" w="9525">
                     <a:solidFill>
                       <a:srgbClr val="000000"/>
                     </a:solidFill>
@@ -13999,7 +13999,7 @@
               </a:ln>
               <a:extLst>
                 <a:ext uri="{91240B29-F687-4f45-9708-019B960494DF}">
-                  <a14:hiddenLine xmlns:a14="http://schemas.microsoft.com/office/drawing/2010/main" xmlns="" w="9525">
+                  <a14:hiddenLine xmlns="" xmlns:a14="http://schemas.microsoft.com/office/drawing/2010/main" w="9525">
                     <a:solidFill>
                       <a:srgbClr val="000000"/>
                     </a:solidFill>
@@ -14061,7 +14061,7 @@
               </a:ln>
               <a:extLst>
                 <a:ext uri="{91240B29-F687-4f45-9708-019B960494DF}">
-                  <a14:hiddenLine xmlns:a14="http://schemas.microsoft.com/office/drawing/2010/main" xmlns="" w="9525">
+                  <a14:hiddenLine xmlns="" xmlns:a14="http://schemas.microsoft.com/office/drawing/2010/main" w="9525">
                     <a:solidFill>
                       <a:srgbClr val="000000"/>
                     </a:solidFill>
@@ -14151,7 +14151,7 @@
               </a:ln>
               <a:extLst>
                 <a:ext uri="{91240B29-F687-4f45-9708-019B960494DF}">
-                  <a14:hiddenLine xmlns:a14="http://schemas.microsoft.com/office/drawing/2010/main" xmlns="" w="9525">
+                  <a14:hiddenLine xmlns="" xmlns:a14="http://schemas.microsoft.com/office/drawing/2010/main" w="9525">
                     <a:solidFill>
                       <a:srgbClr val="000000"/>
                     </a:solidFill>
@@ -14241,7 +14241,7 @@
               </a:ln>
               <a:extLst>
                 <a:ext uri="{91240B29-F687-4f45-9708-019B960494DF}">
-                  <a14:hiddenLine xmlns:a14="http://schemas.microsoft.com/office/drawing/2010/main" xmlns="" w="9525">
+                  <a14:hiddenLine xmlns="" xmlns:a14="http://schemas.microsoft.com/office/drawing/2010/main" w="9525">
                     <a:solidFill>
                       <a:srgbClr val="000000"/>
                     </a:solidFill>
@@ -14306,7 +14306,7 @@
               </a:ln>
               <a:extLst>
                 <a:ext uri="{91240B29-F687-4f45-9708-019B960494DF}">
-                  <a14:hiddenLine xmlns:a14="http://schemas.microsoft.com/office/drawing/2010/main" xmlns="" w="9525">
+                  <a14:hiddenLine xmlns="" xmlns:a14="http://schemas.microsoft.com/office/drawing/2010/main" w="9525">
                     <a:solidFill>
                       <a:srgbClr val="000000"/>
                     </a:solidFill>
@@ -14426,7 +14426,7 @@
               </a:ln>
               <a:extLst>
                 <a:ext uri="{91240B29-F687-4f45-9708-019B960494DF}">
-                  <a14:hiddenLine xmlns:a14="http://schemas.microsoft.com/office/drawing/2010/main" xmlns="" w="9525">
+                  <a14:hiddenLine xmlns="" xmlns:a14="http://schemas.microsoft.com/office/drawing/2010/main" w="9525">
                     <a:solidFill>
                       <a:srgbClr val="000000"/>
                     </a:solidFill>
@@ -14524,7 +14524,7 @@
               </a:ln>
               <a:extLst>
                 <a:ext uri="{91240B29-F687-4f45-9708-019B960494DF}">
-                  <a14:hiddenLine xmlns:a14="http://schemas.microsoft.com/office/drawing/2010/main" xmlns="" w="9525">
+                  <a14:hiddenLine xmlns="" xmlns:a14="http://schemas.microsoft.com/office/drawing/2010/main" w="9525">
                     <a:solidFill>
                       <a:srgbClr val="000000"/>
                     </a:solidFill>
@@ -14639,7 +14639,7 @@
               </a:ln>
               <a:extLst>
                 <a:ext uri="{91240B29-F687-4f45-9708-019B960494DF}">
-                  <a14:hiddenLine xmlns:a14="http://schemas.microsoft.com/office/drawing/2010/main" xmlns="" w="9525">
+                  <a14:hiddenLine xmlns="" xmlns:a14="http://schemas.microsoft.com/office/drawing/2010/main" w="9525">
                     <a:solidFill>
                       <a:srgbClr val="000000"/>
                     </a:solidFill>
@@ -14729,7 +14729,7 @@
               </a:ln>
               <a:extLst>
                 <a:ext uri="{91240B29-F687-4f45-9708-019B960494DF}">
-                  <a14:hiddenLine xmlns:a14="http://schemas.microsoft.com/office/drawing/2010/main" xmlns="" w="9525">
+                  <a14:hiddenLine xmlns="" xmlns:a14="http://schemas.microsoft.com/office/drawing/2010/main" w="9525">
                     <a:solidFill>
                       <a:srgbClr val="000000"/>
                     </a:solidFill>
@@ -14794,7 +14794,7 @@
               </a:ln>
               <a:extLst>
                 <a:ext uri="{91240B29-F687-4f45-9708-019B960494DF}">
-                  <a14:hiddenLine xmlns:a14="http://schemas.microsoft.com/office/drawing/2010/main" xmlns="" w="9525">
+                  <a14:hiddenLine xmlns="" xmlns:a14="http://schemas.microsoft.com/office/drawing/2010/main" w="9525">
                     <a:solidFill>
                       <a:srgbClr val="000000"/>
                     </a:solidFill>
@@ -14884,7 +14884,7 @@
               </a:ln>
               <a:extLst>
                 <a:ext uri="{91240B29-F687-4f45-9708-019B960494DF}">
-                  <a14:hiddenLine xmlns:a14="http://schemas.microsoft.com/office/drawing/2010/main" xmlns="" w="9525">
+                  <a14:hiddenLine xmlns="" xmlns:a14="http://schemas.microsoft.com/office/drawing/2010/main" w="9525">
                     <a:solidFill>
                       <a:srgbClr val="000000"/>
                     </a:solidFill>
@@ -14952,7 +14952,7 @@
               </a:ln>
               <a:extLst>
                 <a:ext uri="{91240B29-F687-4f45-9708-019B960494DF}">
-                  <a14:hiddenLine xmlns:a14="http://schemas.microsoft.com/office/drawing/2010/main" xmlns="" w="9525">
+                  <a14:hiddenLine xmlns="" xmlns:a14="http://schemas.microsoft.com/office/drawing/2010/main" w="9525">
                     <a:solidFill>
                       <a:srgbClr val="000000"/>
                     </a:solidFill>
@@ -15042,7 +15042,7 @@
               </a:ln>
               <a:extLst>
                 <a:ext uri="{91240B29-F687-4f45-9708-019B960494DF}">
-                  <a14:hiddenLine xmlns:a14="http://schemas.microsoft.com/office/drawing/2010/main" xmlns="" w="9525">
+                  <a14:hiddenLine xmlns="" xmlns:a14="http://schemas.microsoft.com/office/drawing/2010/main" w="9525">
                     <a:solidFill>
                       <a:srgbClr val="000000"/>
                     </a:solidFill>
@@ -15110,7 +15110,7 @@
               </a:ln>
               <a:extLst>
                 <a:ext uri="{91240B29-F687-4f45-9708-019B960494DF}">
-                  <a14:hiddenLine xmlns:a14="http://schemas.microsoft.com/office/drawing/2010/main" xmlns="" w="9525">
+                  <a14:hiddenLine xmlns="" xmlns:a14="http://schemas.microsoft.com/office/drawing/2010/main" w="9525">
                     <a:solidFill>
                       <a:srgbClr val="000000"/>
                     </a:solidFill>
@@ -15200,7 +15200,7 @@
               </a:ln>
               <a:extLst>
                 <a:ext uri="{91240B29-F687-4f45-9708-019B960494DF}">
-                  <a14:hiddenLine xmlns:a14="http://schemas.microsoft.com/office/drawing/2010/main" xmlns="" w="9525">
+                  <a14:hiddenLine xmlns="" xmlns:a14="http://schemas.microsoft.com/office/drawing/2010/main" w="9525">
                     <a:solidFill>
                       <a:srgbClr val="000000"/>
                     </a:solidFill>
@@ -15234,7 +15234,7 @@
               </a:ln>
               <a:extLst>
                 <a:ext uri="{91240B29-F687-4f45-9708-019B960494DF}">
-                  <a14:hiddenLine xmlns:a14="http://schemas.microsoft.com/office/drawing/2010/main" xmlns="" w="9525">
+                  <a14:hiddenLine xmlns="" xmlns:a14="http://schemas.microsoft.com/office/drawing/2010/main" w="9525">
                     <a:solidFill>
                       <a:srgbClr val="000000"/>
                     </a:solidFill>
@@ -15374,7 +15374,7 @@
           <a:p>
             <a:fld id="{01040605-618D-4BAF-9698-353458EA0477}" type="datetimeFigureOut">
               <a:rPr lang="de-DE" smtClean="0"/>
-              <a:t>11.05.2021</a:t>
+              <a:t>12.05.2021</a:t>
             </a:fld>
             <a:endParaRPr lang="de-DE" dirty="0"/>
           </a:p>
@@ -15452,7 +15452,7 @@
           <a:p>
             <a:fld id="{7B4890B0-7455-4736-B300-FEFCFECB372B}" type="slidenum">
               <a:rPr lang="de-DE" smtClean="0"/>
-              <a:t>‹Nr.›</a:t>
+              <a:t>‹#›</a:t>
             </a:fld>
             <a:endParaRPr lang="de-DE" dirty="0"/>
           </a:p>
@@ -16856,6 +16856,128 @@
   <p:clrMapOvr>
     <a:masterClrMapping/>
   </p:clrMapOvr>
+  <p:timing>
+    <p:tnLst>
+      <p:par>
+        <p:cTn id="1" dur="indefinite" restart="never" nodeType="tmRoot">
+          <p:childTnLst>
+            <p:seq concurrent="1" nextAc="seek">
+              <p:cTn id="2" dur="indefinite" nodeType="mainSeq">
+                <p:childTnLst>
+                  <p:par>
+                    <p:cTn id="3" fill="hold">
+                      <p:stCondLst>
+                        <p:cond delay="indefinite"/>
+                      </p:stCondLst>
+                      <p:childTnLst>
+                        <p:par>
+                          <p:cTn id="4" fill="hold">
+                            <p:stCondLst>
+                              <p:cond delay="0"/>
+                            </p:stCondLst>
+                            <p:childTnLst>
+                              <p:par>
+                                <p:cTn id="5" presetID="10" presetClass="entr" presetSubtype="0" fill="hold" grpId="0" nodeType="clickEffect">
+                                  <p:stCondLst>
+                                    <p:cond delay="0"/>
+                                  </p:stCondLst>
+                                  <p:childTnLst>
+                                    <p:set>
+                                      <p:cBhvr>
+                                        <p:cTn id="6" dur="1" fill="hold">
+                                          <p:stCondLst>
+                                            <p:cond delay="0"/>
+                                          </p:stCondLst>
+                                        </p:cTn>
+                                        <p:tgtEl>
+                                          <p:spTgt spid="3"/>
+                                        </p:tgtEl>
+                                        <p:attrNameLst>
+                                          <p:attrName>style.visibility</p:attrName>
+                                        </p:attrNameLst>
+                                      </p:cBhvr>
+                                      <p:to>
+                                        <p:strVal val="visible"/>
+                                      </p:to>
+                                    </p:set>
+                                    <p:animEffect transition="in" filter="fade">
+                                      <p:cBhvr>
+                                        <p:cTn id="7" dur="500"/>
+                                        <p:tgtEl>
+                                          <p:spTgt spid="3"/>
+                                        </p:tgtEl>
+                                      </p:cBhvr>
+                                    </p:animEffect>
+                                  </p:childTnLst>
+                                </p:cTn>
+                              </p:par>
+                              <p:par>
+                                <p:cTn id="8" presetID="10" presetClass="entr" presetSubtype="0" fill="hold" grpId="0" nodeType="withEffect">
+                                  <p:stCondLst>
+                                    <p:cond delay="0"/>
+                                  </p:stCondLst>
+                                  <p:childTnLst>
+                                    <p:set>
+                                      <p:cBhvr>
+                                        <p:cTn id="9" dur="1" fill="hold">
+                                          <p:stCondLst>
+                                            <p:cond delay="0"/>
+                                          </p:stCondLst>
+                                        </p:cTn>
+                                        <p:tgtEl>
+                                          <p:spTgt spid="4"/>
+                                        </p:tgtEl>
+                                        <p:attrNameLst>
+                                          <p:attrName>style.visibility</p:attrName>
+                                        </p:attrNameLst>
+                                      </p:cBhvr>
+                                      <p:to>
+                                        <p:strVal val="visible"/>
+                                      </p:to>
+                                    </p:set>
+                                    <p:animEffect transition="in" filter="fade">
+                                      <p:cBhvr>
+                                        <p:cTn id="10" dur="500"/>
+                                        <p:tgtEl>
+                                          <p:spTgt spid="4"/>
+                                        </p:tgtEl>
+                                      </p:cBhvr>
+                                    </p:animEffect>
+                                  </p:childTnLst>
+                                </p:cTn>
+                              </p:par>
+                            </p:childTnLst>
+                          </p:cTn>
+                        </p:par>
+                      </p:childTnLst>
+                    </p:cTn>
+                  </p:par>
+                </p:childTnLst>
+              </p:cTn>
+              <p:prevCondLst>
+                <p:cond evt="onPrev" delay="0">
+                  <p:tgtEl>
+                    <p:sldTgt/>
+                  </p:tgtEl>
+                </p:cond>
+              </p:prevCondLst>
+              <p:nextCondLst>
+                <p:cond evt="onNext" delay="0">
+                  <p:tgtEl>
+                    <p:sldTgt/>
+                  </p:tgtEl>
+                </p:cond>
+              </p:nextCondLst>
+            </p:seq>
+          </p:childTnLst>
+        </p:cTn>
+      </p:par>
+    </p:tnLst>
+    <p:bldLst>
+      <p:bldP spid="3" grpId="0"/>
+      <p:bldP spid="4" grpId="0" animBg="1"/>
+    </p:bldLst>
+  </p:timing>
 </p:sld>
 </file>
 
@@ -23029,679 +23151,12 @@
           <a:chExt cx="0" cy="0"/>
         </a:xfrm>
       </p:grpSpPr>
-      <p:graphicFrame>
-        <p:nvGraphicFramePr>
-          <p:cNvPr id="6" name="Table 6">
+      <p:sp>
+        <p:nvSpPr>
+          <p:cNvPr id="4" name="Titel 1">
             <a:extLst>
               <a:ext uri="{FF2B5EF4-FFF2-40B4-BE49-F238E27FC236}">
-                <a16:creationId xmlns:a16="http://schemas.microsoft.com/office/drawing/2014/main" id="{972CF0F9-ADF8-4542-AA05-3C9A5851E0AC}"/>
-              </a:ext>
-            </a:extLst>
-          </p:cNvPr>
-          <p:cNvGraphicFramePr>
-            <a:graphicFrameLocks noGrp="1"/>
-          </p:cNvGraphicFramePr>
-          <p:nvPr>
-            <p:extLst>
-              <p:ext uri="{D42A27DB-BD31-4B8C-83A1-F6EECF244321}">
-                <p14:modId xmlns:p14="http://schemas.microsoft.com/office/powerpoint/2010/main" val="2425047943"/>
-              </p:ext>
-            </p:extLst>
-          </p:nvPr>
-        </p:nvGraphicFramePr>
-        <p:xfrm>
-          <a:off x="558799" y="1481135"/>
-          <a:ext cx="11074402" cy="5082627"/>
-        </p:xfrm>
-        <a:graphic>
-          <a:graphicData uri="http://schemas.openxmlformats.org/drawingml/2006/table">
-            <a:tbl>
-              <a:tblPr firstRow="1" bandRow="1">
-                <a:tableStyleId>{5C22544A-7EE6-4342-B048-85BDC9FD1C3A}</a:tableStyleId>
-              </a:tblPr>
-              <a:tblGrid>
-                <a:gridCol w="5537201">
-                  <a:extLst>
-                    <a:ext uri="{9D8B030D-6E8A-4147-A177-3AD203B41FA5}">
-                      <a16:colId xmlns:a16="http://schemas.microsoft.com/office/drawing/2014/main" val="3226261702"/>
-                    </a:ext>
-                  </a:extLst>
-                </a:gridCol>
-                <a:gridCol w="5537201">
-                  <a:extLst>
-                    <a:ext uri="{9D8B030D-6E8A-4147-A177-3AD203B41FA5}">
-                      <a16:colId xmlns:a16="http://schemas.microsoft.com/office/drawing/2014/main" val="1485035104"/>
-                    </a:ext>
-                  </a:extLst>
-                </a:gridCol>
-              </a:tblGrid>
-              <a:tr h="1247169">
-                <a:tc>
-                  <a:txBody>
-                    <a:bodyPr/>
-                    <a:lstStyle/>
-                    <a:p>
-                      <a:pPr algn="ctr"/>
-                      <a:endParaRPr lang="de-DE" sz="2400" dirty="0">
-                        <a:solidFill>
-                          <a:schemeClr val="tx1"/>
-                        </a:solidFill>
-                      </a:endParaRPr>
-                    </a:p>
-                    <a:p>
-                      <a:pPr algn="ctr"/>
-                      <a:r>
-                        <a:rPr lang="de-DE" sz="3200" dirty="0">
-                          <a:solidFill>
-                            <a:schemeClr val="tx1"/>
-                          </a:solidFill>
-                        </a:rPr>
-                        <a:t>Lung Cancer Data Set</a:t>
-                      </a:r>
-                    </a:p>
-                  </a:txBody>
-                  <a:tcPr>
-                    <a:lnL w="12700" cap="flat" cmpd="sng" algn="ctr">
-                      <a:solidFill>
-                        <a:schemeClr val="tx1"/>
-                      </a:solidFill>
-                      <a:prstDash val="solid"/>
-                      <a:round/>
-                      <a:headEnd type="none" w="med" len="med"/>
-                      <a:tailEnd type="none" w="med" len="med"/>
-                    </a:lnL>
-                    <a:lnR w="12700" cap="flat" cmpd="sng" algn="ctr">
-                      <a:solidFill>
-                        <a:schemeClr val="tx1"/>
-                      </a:solidFill>
-                      <a:prstDash val="solid"/>
-                      <a:round/>
-                      <a:headEnd type="none" w="med" len="med"/>
-                      <a:tailEnd type="none" w="med" len="med"/>
-                    </a:lnR>
-                    <a:lnT w="12700" cap="flat" cmpd="sng" algn="ctr">
-                      <a:solidFill>
-                        <a:schemeClr val="tx1"/>
-                      </a:solidFill>
-                      <a:prstDash val="solid"/>
-                      <a:round/>
-                      <a:headEnd type="none" w="med" len="med"/>
-                      <a:tailEnd type="none" w="med" len="med"/>
-                    </a:lnT>
-                    <a:lnB w="12700" cap="flat" cmpd="sng" algn="ctr">
-                      <a:solidFill>
-                        <a:schemeClr val="tx1"/>
-                      </a:solidFill>
-                      <a:prstDash val="solid"/>
-                      <a:round/>
-                      <a:headEnd type="none" w="med" len="med"/>
-                      <a:tailEnd type="none" w="med" len="med"/>
-                    </a:lnB>
-                    <a:lnTlToBr w="12700" cmpd="sng">
-                      <a:noFill/>
-                      <a:prstDash val="solid"/>
-                    </a:lnTlToBr>
-                    <a:lnBlToTr w="12700" cmpd="sng">
-                      <a:noFill/>
-                      <a:prstDash val="solid"/>
-                    </a:lnBlToTr>
-                    <a:noFill/>
-                  </a:tcPr>
-                </a:tc>
-                <a:tc>
-                  <a:txBody>
-                    <a:bodyPr/>
-                    <a:lstStyle/>
-                    <a:p>
-                      <a:pPr marL="0" marR="0" lvl="0" indent="0" algn="ctr" defTabSz="914400" rtl="0" eaLnBrk="1" fontAlgn="auto" latinLnBrk="0" hangingPunct="1">
-                        <a:lnSpc>
-                          <a:spcPct val="100000"/>
-                        </a:lnSpc>
-                        <a:spcBef>
-                          <a:spcPts val="0"/>
-                        </a:spcBef>
-                        <a:spcAft>
-                          <a:spcPts val="0"/>
-                        </a:spcAft>
-                        <a:buClrTx/>
-                        <a:buSzTx/>
-                        <a:buFontTx/>
-                        <a:buNone/>
-                        <a:tabLst/>
-                        <a:defRPr/>
-                      </a:pPr>
-                      <a:endParaRPr lang="de-DE" sz="3200" dirty="0">
-                        <a:solidFill>
-                          <a:schemeClr val="tx1"/>
-                        </a:solidFill>
-                      </a:endParaRPr>
-                    </a:p>
-                    <a:p>
-                      <a:pPr marL="0" marR="0" lvl="0" indent="0" algn="ctr" defTabSz="914400" rtl="0" eaLnBrk="1" fontAlgn="auto" latinLnBrk="0" hangingPunct="1">
-                        <a:lnSpc>
-                          <a:spcPct val="100000"/>
-                        </a:lnSpc>
-                        <a:spcBef>
-                          <a:spcPts val="0"/>
-                        </a:spcBef>
-                        <a:spcAft>
-                          <a:spcPts val="0"/>
-                        </a:spcAft>
-                        <a:buClrTx/>
-                        <a:buSzTx/>
-                        <a:buFontTx/>
-                        <a:buNone/>
-                        <a:tabLst/>
-                        <a:defRPr/>
-                      </a:pPr>
-                      <a:r>
-                        <a:rPr lang="de-DE" sz="3200" dirty="0">
-                          <a:solidFill>
-                            <a:schemeClr val="tx1"/>
-                          </a:solidFill>
-                        </a:rPr>
-                        <a:t>Breast Cancer Data Set</a:t>
-                      </a:r>
-                    </a:p>
-                    <a:p>
-                      <a:endParaRPr lang="de-DE" dirty="0"/>
-                    </a:p>
-                  </a:txBody>
-                  <a:tcPr>
-                    <a:lnL w="12700" cap="flat" cmpd="sng" algn="ctr">
-                      <a:solidFill>
-                        <a:schemeClr val="tx1"/>
-                      </a:solidFill>
-                      <a:prstDash val="solid"/>
-                      <a:round/>
-                      <a:headEnd type="none" w="med" len="med"/>
-                      <a:tailEnd type="none" w="med" len="med"/>
-                    </a:lnL>
-                    <a:lnR w="12700" cap="flat" cmpd="sng" algn="ctr">
-                      <a:solidFill>
-                        <a:schemeClr val="tx1"/>
-                      </a:solidFill>
-                      <a:prstDash val="solid"/>
-                      <a:round/>
-                      <a:headEnd type="none" w="med" len="med"/>
-                      <a:tailEnd type="none" w="med" len="med"/>
-                    </a:lnR>
-                    <a:lnT w="12700" cap="flat" cmpd="sng" algn="ctr">
-                      <a:solidFill>
-                        <a:schemeClr val="tx1"/>
-                      </a:solidFill>
-                      <a:prstDash val="solid"/>
-                      <a:round/>
-                      <a:headEnd type="none" w="med" len="med"/>
-                      <a:tailEnd type="none" w="med" len="med"/>
-                    </a:lnT>
-                    <a:lnB w="12700" cap="flat" cmpd="sng" algn="ctr">
-                      <a:solidFill>
-                        <a:schemeClr val="tx1"/>
-                      </a:solidFill>
-                      <a:prstDash val="solid"/>
-                      <a:round/>
-                      <a:headEnd type="none" w="med" len="med"/>
-                      <a:tailEnd type="none" w="med" len="med"/>
-                    </a:lnB>
-                    <a:lnTlToBr w="12700" cmpd="sng">
-                      <a:noFill/>
-                      <a:prstDash val="solid"/>
-                    </a:lnTlToBr>
-                    <a:lnBlToTr w="12700" cmpd="sng">
-                      <a:noFill/>
-                      <a:prstDash val="solid"/>
-                    </a:lnBlToTr>
-                    <a:noFill/>
-                  </a:tcPr>
-                </a:tc>
-                <a:extLst>
-                  <a:ext uri="{0D108BD9-81ED-4DB2-BD59-A6C34878D82A}">
-                    <a16:rowId xmlns:a16="http://schemas.microsoft.com/office/drawing/2014/main" val="561816313"/>
-                  </a:ext>
-                </a:extLst>
-              </a:tr>
-              <a:tr h="1247169">
-                <a:tc gridSpan="2">
-                  <a:txBody>
-                    <a:bodyPr/>
-                    <a:lstStyle/>
-                    <a:p>
-                      <a:endParaRPr lang="de-DE" dirty="0"/>
-                    </a:p>
-                  </a:txBody>
-                  <a:tcPr>
-                    <a:lnL w="12700" cap="flat" cmpd="sng" algn="ctr">
-                      <a:solidFill>
-                        <a:schemeClr val="tx1"/>
-                      </a:solidFill>
-                      <a:prstDash val="solid"/>
-                      <a:round/>
-                      <a:headEnd type="none" w="med" len="med"/>
-                      <a:tailEnd type="none" w="med" len="med"/>
-                    </a:lnL>
-                    <a:lnR w="12700" cap="flat" cmpd="sng" algn="ctr">
-                      <a:solidFill>
-                        <a:schemeClr val="tx1"/>
-                      </a:solidFill>
-                      <a:prstDash val="solid"/>
-                      <a:round/>
-                      <a:headEnd type="none" w="med" len="med"/>
-                      <a:tailEnd type="none" w="med" len="med"/>
-                    </a:lnR>
-                    <a:lnT w="12700" cap="flat" cmpd="sng" algn="ctr">
-                      <a:solidFill>
-                        <a:schemeClr val="tx1"/>
-                      </a:solidFill>
-                      <a:prstDash val="solid"/>
-                      <a:round/>
-                      <a:headEnd type="none" w="med" len="med"/>
-                      <a:tailEnd type="none" w="med" len="med"/>
-                    </a:lnT>
-                    <a:lnB w="12700" cap="flat" cmpd="sng" algn="ctr">
-                      <a:solidFill>
-                        <a:schemeClr val="tx1"/>
-                      </a:solidFill>
-                      <a:prstDash val="solid"/>
-                      <a:round/>
-                      <a:headEnd type="none" w="med" len="med"/>
-                      <a:tailEnd type="none" w="med" len="med"/>
-                    </a:lnB>
-                    <a:lnTlToBr w="12700" cmpd="sng">
-                      <a:noFill/>
-                      <a:prstDash val="solid"/>
-                    </a:lnTlToBr>
-                    <a:lnBlToTr w="12700" cmpd="sng">
-                      <a:noFill/>
-                      <a:prstDash val="solid"/>
-                    </a:lnBlToTr>
-                    <a:noFill/>
-                  </a:tcPr>
-                </a:tc>
-                <a:tc hMerge="1">
-                  <a:txBody>
-                    <a:bodyPr/>
-                    <a:lstStyle/>
-                    <a:p>
-                      <a:endParaRPr lang="de-DE" dirty="0"/>
-                    </a:p>
-                  </a:txBody>
-                  <a:tcPr>
-                    <a:lnL w="12700" cap="flat" cmpd="sng" algn="ctr">
-                      <a:solidFill>
-                        <a:schemeClr val="tx1"/>
-                      </a:solidFill>
-                      <a:prstDash val="solid"/>
-                      <a:round/>
-                      <a:headEnd type="none" w="med" len="med"/>
-                      <a:tailEnd type="none" w="med" len="med"/>
-                    </a:lnL>
-                    <a:lnR w="12700" cap="flat" cmpd="sng" algn="ctr">
-                      <a:solidFill>
-                        <a:schemeClr val="tx1"/>
-                      </a:solidFill>
-                      <a:prstDash val="solid"/>
-                      <a:round/>
-                      <a:headEnd type="none" w="med" len="med"/>
-                      <a:tailEnd type="none" w="med" len="med"/>
-                    </a:lnR>
-                    <a:lnT w="12700" cap="flat" cmpd="sng" algn="ctr">
-                      <a:solidFill>
-                        <a:schemeClr val="tx1"/>
-                      </a:solidFill>
-                      <a:prstDash val="solid"/>
-                      <a:round/>
-                      <a:headEnd type="none" w="med" len="med"/>
-                      <a:tailEnd type="none" w="med" len="med"/>
-                    </a:lnT>
-                    <a:lnB w="12700" cap="flat" cmpd="sng" algn="ctr">
-                      <a:solidFill>
-                        <a:schemeClr val="tx1"/>
-                      </a:solidFill>
-                      <a:prstDash val="solid"/>
-                      <a:round/>
-                      <a:headEnd type="none" w="med" len="med"/>
-                      <a:tailEnd type="none" w="med" len="med"/>
-                    </a:lnB>
-                    <a:lnTlToBr w="12700" cmpd="sng">
-                      <a:noFill/>
-                      <a:prstDash val="solid"/>
-                    </a:lnTlToBr>
-                    <a:lnBlToTr w="12700" cmpd="sng">
-                      <a:noFill/>
-                      <a:prstDash val="solid"/>
-                    </a:lnBlToTr>
-                    <a:solidFill>
-                      <a:schemeClr val="bg1">
-                        <a:lumMod val="85000"/>
-                      </a:schemeClr>
-                    </a:solidFill>
-                  </a:tcPr>
-                </a:tc>
-                <a:extLst>
-                  <a:ext uri="{0D108BD9-81ED-4DB2-BD59-A6C34878D82A}">
-                    <a16:rowId xmlns:a16="http://schemas.microsoft.com/office/drawing/2014/main" val="963593682"/>
-                  </a:ext>
-                </a:extLst>
-              </a:tr>
-              <a:tr h="1247169">
-                <a:tc>
-                  <a:txBody>
-                    <a:bodyPr/>
-                    <a:lstStyle/>
-                    <a:p>
-                      <a:pPr algn="ctr"/>
-                      <a:endParaRPr lang="de-DE" sz="2000" b="0" dirty="0">
-                        <a:solidFill>
-                          <a:schemeClr val="tx1"/>
-                        </a:solidFill>
-                        <a:latin typeface="Arial" panose="020B0604020202020204" pitchFamily="34" charset="0"/>
-                        <a:cs typeface="Arial" panose="020B0604020202020204" pitchFamily="34" charset="0"/>
-                      </a:endParaRPr>
-                    </a:p>
-                  </a:txBody>
-                  <a:tcPr>
-                    <a:lnL w="12700" cap="flat" cmpd="sng" algn="ctr">
-                      <a:solidFill>
-                        <a:schemeClr val="tx1"/>
-                      </a:solidFill>
-                      <a:prstDash val="solid"/>
-                      <a:round/>
-                      <a:headEnd type="none" w="med" len="med"/>
-                      <a:tailEnd type="none" w="med" len="med"/>
-                    </a:lnL>
-                    <a:lnR w="12700" cap="flat" cmpd="sng" algn="ctr">
-                      <a:solidFill>
-                        <a:schemeClr val="tx1"/>
-                      </a:solidFill>
-                      <a:prstDash val="solid"/>
-                      <a:round/>
-                      <a:headEnd type="none" w="med" len="med"/>
-                      <a:tailEnd type="none" w="med" len="med"/>
-                    </a:lnR>
-                    <a:lnT w="12700" cap="flat" cmpd="sng" algn="ctr">
-                      <a:solidFill>
-                        <a:schemeClr val="tx1"/>
-                      </a:solidFill>
-                      <a:prstDash val="solid"/>
-                      <a:round/>
-                      <a:headEnd type="none" w="med" len="med"/>
-                      <a:tailEnd type="none" w="med" len="med"/>
-                    </a:lnT>
-                    <a:lnB w="12700" cap="flat" cmpd="sng" algn="ctr">
-                      <a:solidFill>
-                        <a:schemeClr val="tx1"/>
-                      </a:solidFill>
-                      <a:prstDash val="solid"/>
-                      <a:round/>
-                      <a:headEnd type="none" w="med" len="med"/>
-                      <a:tailEnd type="none" w="med" len="med"/>
-                    </a:lnB>
-                    <a:lnTlToBr w="12700" cmpd="sng">
-                      <a:noFill/>
-                      <a:prstDash val="solid"/>
-                    </a:lnTlToBr>
-                    <a:lnBlToTr w="12700" cmpd="sng">
-                      <a:noFill/>
-                      <a:prstDash val="solid"/>
-                    </a:lnBlToTr>
-                    <a:noFill/>
-                  </a:tcPr>
-                </a:tc>
-                <a:tc>
-                  <a:txBody>
-                    <a:bodyPr/>
-                    <a:lstStyle/>
-                    <a:p>
-                      <a:pPr algn="ctr"/>
-                      <a:endParaRPr lang="de-DE" sz="2000" b="0" dirty="0">
-                        <a:solidFill>
-                          <a:schemeClr val="tx1"/>
-                        </a:solidFill>
-                        <a:latin typeface="Arial" panose="020B0604020202020204" pitchFamily="34" charset="0"/>
-                        <a:cs typeface="Arial" panose="020B0604020202020204" pitchFamily="34" charset="0"/>
-                      </a:endParaRPr>
-                    </a:p>
-                  </a:txBody>
-                  <a:tcPr>
-                    <a:lnL w="12700" cap="flat" cmpd="sng" algn="ctr">
-                      <a:solidFill>
-                        <a:schemeClr val="tx1"/>
-                      </a:solidFill>
-                      <a:prstDash val="solid"/>
-                      <a:round/>
-                      <a:headEnd type="none" w="med" len="med"/>
-                      <a:tailEnd type="none" w="med" len="med"/>
-                    </a:lnL>
-                    <a:lnR w="12700" cap="flat" cmpd="sng" algn="ctr">
-                      <a:solidFill>
-                        <a:schemeClr val="tx1"/>
-                      </a:solidFill>
-                      <a:prstDash val="solid"/>
-                      <a:round/>
-                      <a:headEnd type="none" w="med" len="med"/>
-                      <a:tailEnd type="none" w="med" len="med"/>
-                    </a:lnR>
-                    <a:lnT w="12700" cap="flat" cmpd="sng" algn="ctr">
-                      <a:solidFill>
-                        <a:schemeClr val="tx1"/>
-                      </a:solidFill>
-                      <a:prstDash val="solid"/>
-                      <a:round/>
-                      <a:headEnd type="none" w="med" len="med"/>
-                      <a:tailEnd type="none" w="med" len="med"/>
-                    </a:lnT>
-                    <a:lnB w="12700" cap="flat" cmpd="sng" algn="ctr">
-                      <a:solidFill>
-                        <a:schemeClr val="tx1"/>
-                      </a:solidFill>
-                      <a:prstDash val="solid"/>
-                      <a:round/>
-                      <a:headEnd type="none" w="med" len="med"/>
-                      <a:tailEnd type="none" w="med" len="med"/>
-                    </a:lnB>
-                    <a:lnTlToBr w="12700" cmpd="sng">
-                      <a:noFill/>
-                      <a:prstDash val="solid"/>
-                    </a:lnTlToBr>
-                    <a:lnBlToTr w="12700" cmpd="sng">
-                      <a:noFill/>
-                      <a:prstDash val="solid"/>
-                    </a:lnBlToTr>
-                    <a:noFill/>
-                  </a:tcPr>
-                </a:tc>
-                <a:extLst>
-                  <a:ext uri="{0D108BD9-81ED-4DB2-BD59-A6C34878D82A}">
-                    <a16:rowId xmlns:a16="http://schemas.microsoft.com/office/drawing/2014/main" val="1538186882"/>
-                  </a:ext>
-                </a:extLst>
-              </a:tr>
-              <a:tr h="1247169">
-                <a:tc>
-                  <a:txBody>
-                    <a:bodyPr/>
-                    <a:lstStyle/>
-                    <a:p>
-                      <a:pPr algn="ctr"/>
-                      <a:endParaRPr lang="de-DE" sz="2000" b="0" dirty="0">
-                        <a:solidFill>
-                          <a:schemeClr val="tx1"/>
-                        </a:solidFill>
-                        <a:latin typeface="Arial" panose="020B0604020202020204" pitchFamily="34" charset="0"/>
-                        <a:cs typeface="Arial" panose="020B0604020202020204" pitchFamily="34" charset="0"/>
-                      </a:endParaRPr>
-                    </a:p>
-                  </a:txBody>
-                  <a:tcPr>
-                    <a:lnL w="12700" cap="flat" cmpd="sng" algn="ctr">
-                      <a:solidFill>
-                        <a:schemeClr val="tx1"/>
-                      </a:solidFill>
-                      <a:prstDash val="solid"/>
-                      <a:round/>
-                      <a:headEnd type="none" w="med" len="med"/>
-                      <a:tailEnd type="none" w="med" len="med"/>
-                    </a:lnL>
-                    <a:lnR w="12700" cap="flat" cmpd="sng" algn="ctr">
-                      <a:solidFill>
-                        <a:schemeClr val="tx1"/>
-                      </a:solidFill>
-                      <a:prstDash val="solid"/>
-                      <a:round/>
-                      <a:headEnd type="none" w="med" len="med"/>
-                      <a:tailEnd type="none" w="med" len="med"/>
-                    </a:lnR>
-                    <a:lnT w="12700" cap="flat" cmpd="sng" algn="ctr">
-                      <a:solidFill>
-                        <a:schemeClr val="tx1"/>
-                      </a:solidFill>
-                      <a:prstDash val="solid"/>
-                      <a:round/>
-                      <a:headEnd type="none" w="med" len="med"/>
-                      <a:tailEnd type="none" w="med" len="med"/>
-                    </a:lnT>
-                    <a:lnB w="12700" cap="flat" cmpd="sng" algn="ctr">
-                      <a:solidFill>
-                        <a:schemeClr val="tx1"/>
-                      </a:solidFill>
-                      <a:prstDash val="solid"/>
-                      <a:round/>
-                      <a:headEnd type="none" w="med" len="med"/>
-                      <a:tailEnd type="none" w="med" len="med"/>
-                    </a:lnB>
-                    <a:lnTlToBr w="12700" cmpd="sng">
-                      <a:noFill/>
-                      <a:prstDash val="solid"/>
-                    </a:lnTlToBr>
-                    <a:lnBlToTr w="12700" cmpd="sng">
-                      <a:noFill/>
-                      <a:prstDash val="solid"/>
-                    </a:lnBlToTr>
-                    <a:noFill/>
-                  </a:tcPr>
-                </a:tc>
-                <a:tc>
-                  <a:txBody>
-                    <a:bodyPr/>
-                    <a:lstStyle/>
-                    <a:p>
-                      <a:pPr algn="ctr"/>
-                      <a:endParaRPr lang="de-DE" sz="2000" b="0" dirty="0">
-                        <a:solidFill>
-                          <a:schemeClr val="tx1"/>
-                        </a:solidFill>
-                        <a:latin typeface="Arial" panose="020B0604020202020204" pitchFamily="34" charset="0"/>
-                        <a:cs typeface="Arial" panose="020B0604020202020204" pitchFamily="34" charset="0"/>
-                      </a:endParaRPr>
-                    </a:p>
-                  </a:txBody>
-                  <a:tcPr>
-                    <a:lnL w="12700" cap="flat" cmpd="sng" algn="ctr">
-                      <a:solidFill>
-                        <a:schemeClr val="tx1"/>
-                      </a:solidFill>
-                      <a:prstDash val="solid"/>
-                      <a:round/>
-                      <a:headEnd type="none" w="med" len="med"/>
-                      <a:tailEnd type="none" w="med" len="med"/>
-                    </a:lnL>
-                    <a:lnR w="12700" cap="flat" cmpd="sng" algn="ctr">
-                      <a:solidFill>
-                        <a:schemeClr val="tx1"/>
-                      </a:solidFill>
-                      <a:prstDash val="solid"/>
-                      <a:round/>
-                      <a:headEnd type="none" w="med" len="med"/>
-                      <a:tailEnd type="none" w="med" len="med"/>
-                    </a:lnR>
-                    <a:lnT w="12700" cap="flat" cmpd="sng" algn="ctr">
-                      <a:solidFill>
-                        <a:schemeClr val="tx1"/>
-                      </a:solidFill>
-                      <a:prstDash val="solid"/>
-                      <a:round/>
-                      <a:headEnd type="none" w="med" len="med"/>
-                      <a:tailEnd type="none" w="med" len="med"/>
-                    </a:lnT>
-                    <a:lnB w="12700" cap="flat" cmpd="sng" algn="ctr">
-                      <a:solidFill>
-                        <a:schemeClr val="tx1"/>
-                      </a:solidFill>
-                      <a:prstDash val="solid"/>
-                      <a:round/>
-                      <a:headEnd type="none" w="med" len="med"/>
-                      <a:tailEnd type="none" w="med" len="med"/>
-                    </a:lnB>
-                    <a:lnTlToBr w="12700" cmpd="sng">
-                      <a:noFill/>
-                      <a:prstDash val="solid"/>
-                    </a:lnTlToBr>
-                    <a:lnBlToTr w="12700" cmpd="sng">
-                      <a:noFill/>
-                      <a:prstDash val="solid"/>
-                    </a:lnBlToTr>
-                    <a:noFill/>
-                  </a:tcPr>
-                </a:tc>
-                <a:extLst>
-                  <a:ext uri="{0D108BD9-81ED-4DB2-BD59-A6C34878D82A}">
-                    <a16:rowId xmlns:a16="http://schemas.microsoft.com/office/drawing/2014/main" val="1009067683"/>
-                  </a:ext>
-                </a:extLst>
-              </a:tr>
-            </a:tbl>
-          </a:graphicData>
-        </a:graphic>
-      </p:graphicFrame>
-      <p:pic>
-        <p:nvPicPr>
-          <p:cNvPr id="3" name="Picture 2">
-            <a:extLst>
-              <a:ext uri="{FF2B5EF4-FFF2-40B4-BE49-F238E27FC236}">
-                <a16:creationId xmlns:a16="http://schemas.microsoft.com/office/drawing/2014/main" id="{9C618546-7220-490A-86D6-C1174B9571F1}"/>
-              </a:ext>
-            </a:extLst>
-          </p:cNvPr>
-          <p:cNvPicPr>
-            <a:picLocks noChangeAspect="1"/>
-          </p:cNvPicPr>
-          <p:nvPr/>
-        </p:nvPicPr>
-        <p:blipFill>
-          <a:blip r:embed="rId2"/>
-          <a:stretch>
-            <a:fillRect/>
-          </a:stretch>
-        </p:blipFill>
-        <p:spPr>
-          <a:xfrm>
-            <a:off x="604328" y="2821972"/>
-            <a:ext cx="10983344" cy="1243667"/>
-          </a:xfrm>
-          <a:prstGeom prst="rect">
-            <a:avLst/>
-          </a:prstGeom>
-          <a:ln>
-            <a:solidFill>
-              <a:srgbClr val="92D050"/>
-            </a:solidFill>
-          </a:ln>
-          <a:effectLst>
-            <a:outerShdw blurRad="292100" dist="139700" dir="2700000" algn="tl" rotWithShape="0">
-              <a:srgbClr val="333333">
-                <a:alpha val="65000"/>
-              </a:srgbClr>
-            </a:outerShdw>
-          </a:effectLst>
-        </p:spPr>
-      </p:pic>
-      <p:sp>
-        <p:nvSpPr>
-          <p:cNvPr id="9" name="Titel 1">
-            <a:extLst>
-              <a:ext uri="{FF2B5EF4-FFF2-40B4-BE49-F238E27FC236}">
-                <a16:creationId xmlns:a16="http://schemas.microsoft.com/office/drawing/2014/main" id="{0E2F367A-B038-48F0-9765-B927F6E4A456}"/>
+                <a16:creationId xmlns:a16="http://schemas.microsoft.com/office/drawing/2014/main" id="{EB18A2D7-4608-46BA-B55E-A7C196964F92}"/>
               </a:ext>
             </a:extLst>
           </p:cNvPr>
@@ -23714,8 +23169,8 @@
         </p:nvSpPr>
         <p:spPr>
           <a:xfrm>
-            <a:off x="1143001" y="28857"/>
-            <a:ext cx="9905998" cy="1478570"/>
+            <a:off x="1017196" y="0"/>
+            <a:ext cx="10157602" cy="1478570"/>
           </a:xfrm>
         </p:spPr>
         <p:txBody>
@@ -23730,339 +23185,1050 @@
                 <a:latin typeface="Arial" panose="020B0604020202020204" pitchFamily="34" charset="0"/>
                 <a:cs typeface="Arial" panose="020B0604020202020204" pitchFamily="34" charset="0"/>
               </a:rPr>
-              <a:t>Do our data sets contain values of disturbance</a:t>
+              <a:t>Structure of our data</a:t>
             </a:r>
           </a:p>
         </p:txBody>
       </p:sp>
       <p:sp>
         <p:nvSpPr>
-          <p:cNvPr id="11" name="TextBox 10">
+          <p:cNvPr id="5" name="Rectangle 4">
             <a:extLst>
               <a:ext uri="{FF2B5EF4-FFF2-40B4-BE49-F238E27FC236}">
-                <a16:creationId xmlns:a16="http://schemas.microsoft.com/office/drawing/2014/main" id="{03627D94-BFF2-442F-BAA4-35FE53031FA6}"/>
+                <a16:creationId xmlns:a16="http://schemas.microsoft.com/office/drawing/2014/main" id="{E45CF836-2C12-48FF-A9BC-9DC3BD5EED8E}"/>
               </a:ext>
             </a:extLst>
           </p:cNvPr>
-          <p:cNvSpPr txBox="1"/>
+          <p:cNvSpPr/>
           <p:nvPr/>
         </p:nvSpPr>
         <p:spPr>
           <a:xfrm>
-            <a:off x="359434" y="4462731"/>
-            <a:ext cx="6101750" cy="369332"/>
+            <a:off x="5009068" y="1351471"/>
+            <a:ext cx="2173857" cy="879894"/>
+          </a:xfrm>
+          <a:prstGeom prst="rect">
+            <a:avLst/>
+          </a:prstGeom>
+          <a:solidFill>
+            <a:schemeClr val="tx1"/>
+          </a:solidFill>
+          <a:ln>
+            <a:noFill/>
+          </a:ln>
+        </p:spPr>
+        <p:style>
+          <a:lnRef idx="2">
+            <a:schemeClr val="accent1">
+              <a:shade val="50000"/>
+            </a:schemeClr>
+          </a:lnRef>
+          <a:fillRef idx="1">
+            <a:schemeClr val="accent1"/>
+          </a:fillRef>
+          <a:effectRef idx="0">
+            <a:schemeClr val="accent1"/>
+          </a:effectRef>
+          <a:fontRef idx="minor">
+            <a:schemeClr val="lt1"/>
+          </a:fontRef>
+        </p:style>
+        <p:txBody>
+          <a:bodyPr rtlCol="0" anchor="ctr"/>
+          <a:lstStyle/>
+          <a:p>
+            <a:pPr algn="ctr"/>
+            <a:r>
+              <a:rPr lang="de-DE" sz="2000" b="1" dirty="0">
+                <a:solidFill>
+                  <a:schemeClr val="bg1"/>
+                </a:solidFill>
+                <a:latin typeface="Arial" panose="020B0604020202020204" pitchFamily="34" charset="0"/>
+                <a:cs typeface="Arial" panose="020B0604020202020204" pitchFamily="34" charset="0"/>
+              </a:rPr>
+              <a:t>Data</a:t>
+            </a:r>
+          </a:p>
+        </p:txBody>
+      </p:sp>
+      <p:grpSp>
+        <p:nvGrpSpPr>
+          <p:cNvPr id="49" name="Group 48">
+            <a:extLst>
+              <a:ext uri="{FF2B5EF4-FFF2-40B4-BE49-F238E27FC236}">
+                <a16:creationId xmlns:a16="http://schemas.microsoft.com/office/drawing/2014/main" id="{F2B6EFDD-C6CA-4165-AF17-1561F60B7ACE}"/>
+              </a:ext>
+            </a:extLst>
+          </p:cNvPr>
+          <p:cNvGrpSpPr/>
+          <p:nvPr/>
+        </p:nvGrpSpPr>
+        <p:grpSpPr>
+          <a:xfrm>
+            <a:off x="2090465" y="2231365"/>
+            <a:ext cx="8011070" cy="1095555"/>
+            <a:chOff x="2090465" y="2231365"/>
+            <a:chExt cx="8011070" cy="1095555"/>
+          </a:xfrm>
+        </p:grpSpPr>
+        <p:sp>
+          <p:nvSpPr>
+            <p:cNvPr id="6" name="Rectangle 5">
+              <a:extLst>
+                <a:ext uri="{FF2B5EF4-FFF2-40B4-BE49-F238E27FC236}">
+                  <a16:creationId xmlns:a16="http://schemas.microsoft.com/office/drawing/2014/main" id="{511CC09E-760C-400D-8693-94141BAB7EEB}"/>
+                </a:ext>
+              </a:extLst>
+            </p:cNvPr>
+            <p:cNvSpPr/>
+            <p:nvPr/>
+          </p:nvSpPr>
+          <p:spPr>
+            <a:xfrm>
+              <a:off x="2090465" y="2447026"/>
+              <a:ext cx="2173857" cy="879894"/>
+            </a:xfrm>
+            <a:prstGeom prst="rect">
+              <a:avLst/>
+            </a:prstGeom>
+            <a:solidFill>
+              <a:schemeClr val="tx1"/>
+            </a:solidFill>
+            <a:ln>
+              <a:noFill/>
+            </a:ln>
+          </p:spPr>
+          <p:style>
+            <a:lnRef idx="2">
+              <a:schemeClr val="accent1">
+                <a:shade val="50000"/>
+              </a:schemeClr>
+            </a:lnRef>
+            <a:fillRef idx="1">
+              <a:schemeClr val="accent1"/>
+            </a:fillRef>
+            <a:effectRef idx="0">
+              <a:schemeClr val="accent1"/>
+            </a:effectRef>
+            <a:fontRef idx="minor">
+              <a:schemeClr val="lt1"/>
+            </a:fontRef>
+          </p:style>
+          <p:txBody>
+            <a:bodyPr rtlCol="0" anchor="ctr"/>
+            <a:lstStyle/>
+            <a:p>
+              <a:pPr algn="ctr"/>
+              <a:r>
+                <a:rPr lang="de-DE" sz="2000" b="1" dirty="0">
+                  <a:solidFill>
+                    <a:schemeClr val="bg1"/>
+                  </a:solidFill>
+                  <a:latin typeface="Arial" panose="020B0604020202020204" pitchFamily="34" charset="0"/>
+                  <a:cs typeface="Arial" panose="020B0604020202020204" pitchFamily="34" charset="0"/>
+                </a:rPr>
+                <a:t>Lung Cancer</a:t>
+              </a:r>
+            </a:p>
+          </p:txBody>
+        </p:sp>
+        <p:sp>
+          <p:nvSpPr>
+            <p:cNvPr id="7" name="Rectangle 6">
+              <a:extLst>
+                <a:ext uri="{FF2B5EF4-FFF2-40B4-BE49-F238E27FC236}">
+                  <a16:creationId xmlns:a16="http://schemas.microsoft.com/office/drawing/2014/main" id="{6CC3D007-AC97-4D56-B07F-676F037F3F15}"/>
+                </a:ext>
+              </a:extLst>
+            </p:cNvPr>
+            <p:cNvSpPr/>
+            <p:nvPr/>
+          </p:nvSpPr>
+          <p:spPr>
+            <a:xfrm>
+              <a:off x="7927678" y="2447026"/>
+              <a:ext cx="2173857" cy="879894"/>
+            </a:xfrm>
+            <a:prstGeom prst="rect">
+              <a:avLst/>
+            </a:prstGeom>
+            <a:solidFill>
+              <a:schemeClr val="tx1"/>
+            </a:solidFill>
+            <a:ln>
+              <a:noFill/>
+            </a:ln>
+          </p:spPr>
+          <p:style>
+            <a:lnRef idx="2">
+              <a:schemeClr val="accent1">
+                <a:shade val="50000"/>
+              </a:schemeClr>
+            </a:lnRef>
+            <a:fillRef idx="1">
+              <a:schemeClr val="accent1"/>
+            </a:fillRef>
+            <a:effectRef idx="0">
+              <a:schemeClr val="accent1"/>
+            </a:effectRef>
+            <a:fontRef idx="minor">
+              <a:schemeClr val="lt1"/>
+            </a:fontRef>
+          </p:style>
+          <p:txBody>
+            <a:bodyPr rtlCol="0" anchor="ctr"/>
+            <a:lstStyle/>
+            <a:p>
+              <a:pPr algn="ctr"/>
+              <a:r>
+                <a:rPr lang="de-DE" sz="2000" b="1" dirty="0">
+                  <a:solidFill>
+                    <a:schemeClr val="bg1"/>
+                  </a:solidFill>
+                  <a:latin typeface="Arial" panose="020B0604020202020204" pitchFamily="34" charset="0"/>
+                  <a:cs typeface="Arial" panose="020B0604020202020204" pitchFamily="34" charset="0"/>
+                </a:rPr>
+                <a:t>Breast Cancer</a:t>
+              </a:r>
+            </a:p>
+          </p:txBody>
+        </p:sp>
+        <p:cxnSp>
+          <p:nvCxnSpPr>
+            <p:cNvPr id="9" name="Straight Connector 8">
+              <a:extLst>
+                <a:ext uri="{FF2B5EF4-FFF2-40B4-BE49-F238E27FC236}">
+                  <a16:creationId xmlns:a16="http://schemas.microsoft.com/office/drawing/2014/main" id="{0F5975C8-B3D2-414D-85A6-98F7941FE74C}"/>
+                </a:ext>
+              </a:extLst>
+            </p:cNvPr>
+            <p:cNvCxnSpPr>
+              <a:stCxn id="6" idx="3"/>
+              <a:endCxn id="7" idx="1"/>
+            </p:cNvCxnSpPr>
+            <p:nvPr/>
+          </p:nvCxnSpPr>
+          <p:spPr>
+            <a:xfrm>
+              <a:off x="4264322" y="2886973"/>
+              <a:ext cx="3663356" cy="0"/>
+            </a:xfrm>
+            <a:prstGeom prst="line">
+              <a:avLst/>
+            </a:prstGeom>
+            <a:ln w="57150">
+              <a:solidFill>
+                <a:schemeClr val="tx1"/>
+              </a:solidFill>
+            </a:ln>
+          </p:spPr>
+          <p:style>
+            <a:lnRef idx="1">
+              <a:schemeClr val="accent1"/>
+            </a:lnRef>
+            <a:fillRef idx="0">
+              <a:schemeClr val="accent1"/>
+            </a:fillRef>
+            <a:effectRef idx="0">
+              <a:schemeClr val="accent1"/>
+            </a:effectRef>
+            <a:fontRef idx="minor">
+              <a:schemeClr val="tx1"/>
+            </a:fontRef>
+          </p:style>
+        </p:cxnSp>
+        <p:cxnSp>
+          <p:nvCxnSpPr>
+            <p:cNvPr id="10" name="Straight Connector 9">
+              <a:extLst>
+                <a:ext uri="{FF2B5EF4-FFF2-40B4-BE49-F238E27FC236}">
+                  <a16:creationId xmlns:a16="http://schemas.microsoft.com/office/drawing/2014/main" id="{58CD7FB9-015B-4F65-9D56-6BD80A1A20B3}"/>
+                </a:ext>
+              </a:extLst>
+            </p:cNvPr>
+            <p:cNvCxnSpPr>
+              <a:cxnSpLocks/>
+            </p:cNvCxnSpPr>
+            <p:nvPr/>
+          </p:nvCxnSpPr>
+          <p:spPr>
+            <a:xfrm>
+              <a:off x="6056098" y="2231365"/>
+              <a:ext cx="0" cy="655608"/>
+            </a:xfrm>
+            <a:prstGeom prst="line">
+              <a:avLst/>
+            </a:prstGeom>
+            <a:ln w="57150">
+              <a:solidFill>
+                <a:schemeClr val="tx1"/>
+              </a:solidFill>
+            </a:ln>
+          </p:spPr>
+          <p:style>
+            <a:lnRef idx="1">
+              <a:schemeClr val="accent1"/>
+            </a:lnRef>
+            <a:fillRef idx="0">
+              <a:schemeClr val="accent1"/>
+            </a:fillRef>
+            <a:effectRef idx="0">
+              <a:schemeClr val="accent1"/>
+            </a:effectRef>
+            <a:fontRef idx="minor">
+              <a:schemeClr val="tx1"/>
+            </a:fontRef>
+          </p:style>
+        </p:cxnSp>
+      </p:grpSp>
+      <p:grpSp>
+        <p:nvGrpSpPr>
+          <p:cNvPr id="51" name="Group 50">
+            <a:extLst>
+              <a:ext uri="{FF2B5EF4-FFF2-40B4-BE49-F238E27FC236}">
+                <a16:creationId xmlns:a16="http://schemas.microsoft.com/office/drawing/2014/main" id="{DF7D4B52-9834-410E-B016-EB45A21CAE5A}"/>
+              </a:ext>
+            </a:extLst>
+          </p:cNvPr>
+          <p:cNvGrpSpPr/>
+          <p:nvPr/>
+        </p:nvGrpSpPr>
+        <p:grpSpPr>
+          <a:xfrm>
+            <a:off x="364735" y="3326920"/>
+            <a:ext cx="5731262" cy="1009550"/>
+            <a:chOff x="364735" y="3326920"/>
+            <a:chExt cx="5731262" cy="1009550"/>
+          </a:xfrm>
+        </p:grpSpPr>
+        <p:cxnSp>
+          <p:nvCxnSpPr>
+            <p:cNvPr id="13" name="Straight Connector 12">
+              <a:extLst>
+                <a:ext uri="{FF2B5EF4-FFF2-40B4-BE49-F238E27FC236}">
+                  <a16:creationId xmlns:a16="http://schemas.microsoft.com/office/drawing/2014/main" id="{79E929FC-1C75-495C-AFBD-901591389B91}"/>
+                </a:ext>
+              </a:extLst>
+            </p:cNvPr>
+            <p:cNvCxnSpPr>
+              <a:cxnSpLocks/>
+            </p:cNvCxnSpPr>
+            <p:nvPr/>
+          </p:nvCxnSpPr>
+          <p:spPr>
+            <a:xfrm>
+              <a:off x="3177393" y="3326920"/>
+              <a:ext cx="0" cy="655608"/>
+            </a:xfrm>
+            <a:prstGeom prst="line">
+              <a:avLst/>
+            </a:prstGeom>
+            <a:ln w="57150">
+              <a:solidFill>
+                <a:schemeClr val="tx1"/>
+              </a:solidFill>
+            </a:ln>
+          </p:spPr>
+          <p:style>
+            <a:lnRef idx="1">
+              <a:schemeClr val="accent1"/>
+            </a:lnRef>
+            <a:fillRef idx="0">
+              <a:schemeClr val="accent1"/>
+            </a:fillRef>
+            <a:effectRef idx="0">
+              <a:schemeClr val="accent1"/>
+            </a:effectRef>
+            <a:fontRef idx="minor">
+              <a:schemeClr val="tx1"/>
+            </a:fontRef>
+          </p:style>
+        </p:cxnSp>
+        <p:cxnSp>
+          <p:nvCxnSpPr>
+            <p:cNvPr id="15" name="Straight Connector 14">
+              <a:extLst>
+                <a:ext uri="{FF2B5EF4-FFF2-40B4-BE49-F238E27FC236}">
+                  <a16:creationId xmlns:a16="http://schemas.microsoft.com/office/drawing/2014/main" id="{B327D5B6-099E-48C0-8BD7-032030CADA59}"/>
+                </a:ext>
+              </a:extLst>
+            </p:cNvPr>
+            <p:cNvCxnSpPr>
+              <a:cxnSpLocks/>
+            </p:cNvCxnSpPr>
+            <p:nvPr/>
+          </p:nvCxnSpPr>
+          <p:spPr>
+            <a:xfrm>
+              <a:off x="2335302" y="4014158"/>
+              <a:ext cx="1549885" cy="0"/>
+            </a:xfrm>
+            <a:prstGeom prst="line">
+              <a:avLst/>
+            </a:prstGeom>
+            <a:ln w="57150">
+              <a:solidFill>
+                <a:schemeClr val="tx1"/>
+              </a:solidFill>
+            </a:ln>
+          </p:spPr>
+          <p:style>
+            <a:lnRef idx="1">
+              <a:schemeClr val="accent1"/>
+            </a:lnRef>
+            <a:fillRef idx="0">
+              <a:schemeClr val="accent1"/>
+            </a:fillRef>
+            <a:effectRef idx="0">
+              <a:schemeClr val="accent1"/>
+            </a:effectRef>
+            <a:fontRef idx="minor">
+              <a:schemeClr val="tx1"/>
+            </a:fontRef>
+          </p:style>
+        </p:cxnSp>
+        <p:sp>
+          <p:nvSpPr>
+            <p:cNvPr id="21" name="TextBox 20">
+              <a:extLst>
+                <a:ext uri="{FF2B5EF4-FFF2-40B4-BE49-F238E27FC236}">
+                  <a16:creationId xmlns:a16="http://schemas.microsoft.com/office/drawing/2014/main" id="{406F462B-FA37-4C8E-AD55-B06B074D00A4}"/>
+                </a:ext>
+              </a:extLst>
+            </p:cNvPr>
+            <p:cNvSpPr txBox="1"/>
+            <p:nvPr/>
+          </p:nvSpPr>
+          <p:spPr>
+            <a:xfrm>
+              <a:off x="364735" y="3628584"/>
+              <a:ext cx="2558316" cy="707886"/>
+            </a:xfrm>
+            <a:prstGeom prst="rect">
+              <a:avLst/>
+            </a:prstGeom>
+            <a:noFill/>
+          </p:spPr>
+          <p:txBody>
+            <a:bodyPr wrap="square">
+              <a:spAutoFit/>
+            </a:bodyPr>
+            <a:lstStyle/>
+            <a:p>
+              <a:pPr algn="ctr"/>
+              <a:r>
+                <a:rPr lang="de-DE" sz="2000" dirty="0">
+                  <a:solidFill>
+                    <a:schemeClr val="tx1"/>
+                  </a:solidFill>
+                  <a:latin typeface="Arial" panose="020B0604020202020204" pitchFamily="34" charset="0"/>
+                  <a:cs typeface="Arial" panose="020B0604020202020204" pitchFamily="34" charset="0"/>
+                </a:rPr>
+                <a:t>Tumorous </a:t>
+              </a:r>
+            </a:p>
+            <a:p>
+              <a:pPr algn="ctr"/>
+              <a:r>
+                <a:rPr lang="de-DE" sz="2000" dirty="0">
+                  <a:solidFill>
+                    <a:schemeClr val="tx1"/>
+                  </a:solidFill>
+                  <a:latin typeface="Arial" panose="020B0604020202020204" pitchFamily="34" charset="0"/>
+                  <a:cs typeface="Arial" panose="020B0604020202020204" pitchFamily="34" charset="0"/>
+                </a:rPr>
+                <a:t>tissue</a:t>
+              </a:r>
+            </a:p>
+          </p:txBody>
+        </p:sp>
+        <p:sp>
+          <p:nvSpPr>
+            <p:cNvPr id="23" name="TextBox 22">
+              <a:extLst>
+                <a:ext uri="{FF2B5EF4-FFF2-40B4-BE49-F238E27FC236}">
+                  <a16:creationId xmlns:a16="http://schemas.microsoft.com/office/drawing/2014/main" id="{99F72C58-68C7-4867-8C5A-017F8BBFFB08}"/>
+                </a:ext>
+              </a:extLst>
+            </p:cNvPr>
+            <p:cNvSpPr txBox="1"/>
+            <p:nvPr/>
+          </p:nvSpPr>
+          <p:spPr>
+            <a:xfrm>
+              <a:off x="3537681" y="3628584"/>
+              <a:ext cx="2558316" cy="707886"/>
+            </a:xfrm>
+            <a:prstGeom prst="rect">
+              <a:avLst/>
+            </a:prstGeom>
+            <a:noFill/>
+          </p:spPr>
+          <p:txBody>
+            <a:bodyPr wrap="square">
+              <a:spAutoFit/>
+            </a:bodyPr>
+            <a:lstStyle/>
+            <a:p>
+              <a:pPr algn="ctr"/>
+              <a:r>
+                <a:rPr lang="de-DE" sz="2000" dirty="0">
+                  <a:solidFill>
+                    <a:schemeClr val="tx1"/>
+                  </a:solidFill>
+                  <a:latin typeface="Arial" panose="020B0604020202020204" pitchFamily="34" charset="0"/>
+                  <a:cs typeface="Arial" panose="020B0604020202020204" pitchFamily="34" charset="0"/>
+                </a:rPr>
+                <a:t>Non tumorous</a:t>
+              </a:r>
+            </a:p>
+            <a:p>
+              <a:pPr algn="ctr"/>
+              <a:r>
+                <a:rPr lang="de-DE" sz="2000" dirty="0">
+                  <a:latin typeface="Arial" panose="020B0604020202020204" pitchFamily="34" charset="0"/>
+                  <a:cs typeface="Arial" panose="020B0604020202020204" pitchFamily="34" charset="0"/>
+                </a:rPr>
+                <a:t>tissue</a:t>
+              </a:r>
+              <a:endParaRPr lang="de-DE" sz="2000" dirty="0">
+                <a:solidFill>
+                  <a:schemeClr val="tx1"/>
+                </a:solidFill>
+                <a:latin typeface="Arial" panose="020B0604020202020204" pitchFamily="34" charset="0"/>
+                <a:cs typeface="Arial" panose="020B0604020202020204" pitchFamily="34" charset="0"/>
+              </a:endParaRPr>
+            </a:p>
+          </p:txBody>
+        </p:sp>
+      </p:grpSp>
+      <p:grpSp>
+        <p:nvGrpSpPr>
+          <p:cNvPr id="53" name="Group 52">
+            <a:extLst>
+              <a:ext uri="{FF2B5EF4-FFF2-40B4-BE49-F238E27FC236}">
+                <a16:creationId xmlns:a16="http://schemas.microsoft.com/office/drawing/2014/main" id="{CBCC2AEF-27EF-44D4-9C4E-36EF57410217}"/>
+              </a:ext>
+            </a:extLst>
+          </p:cNvPr>
+          <p:cNvGrpSpPr/>
+          <p:nvPr/>
+        </p:nvGrpSpPr>
+        <p:grpSpPr>
+          <a:xfrm>
+            <a:off x="6884382" y="3326920"/>
+            <a:ext cx="4576397" cy="1777717"/>
+            <a:chOff x="6884382" y="3326920"/>
+            <a:chExt cx="4576397" cy="1777717"/>
+          </a:xfrm>
+        </p:grpSpPr>
+        <p:grpSp>
+          <p:nvGrpSpPr>
+            <p:cNvPr id="52" name="Group 51">
+              <a:extLst>
+                <a:ext uri="{FF2B5EF4-FFF2-40B4-BE49-F238E27FC236}">
+                  <a16:creationId xmlns:a16="http://schemas.microsoft.com/office/drawing/2014/main" id="{DE310D13-B9BA-426C-832A-FC1752D1108B}"/>
+                </a:ext>
+              </a:extLst>
+            </p:cNvPr>
+            <p:cNvGrpSpPr/>
+            <p:nvPr/>
+          </p:nvGrpSpPr>
+          <p:grpSpPr>
+            <a:xfrm>
+              <a:off x="8304360" y="3326920"/>
+              <a:ext cx="1420492" cy="1590137"/>
+              <a:chOff x="8304360" y="3326920"/>
+              <a:chExt cx="1420492" cy="1590137"/>
+            </a:xfrm>
+          </p:grpSpPr>
+          <p:cxnSp>
+            <p:nvCxnSpPr>
+              <p:cNvPr id="14" name="Straight Connector 13">
+                <a:extLst>
+                  <a:ext uri="{FF2B5EF4-FFF2-40B4-BE49-F238E27FC236}">
+                    <a16:creationId xmlns:a16="http://schemas.microsoft.com/office/drawing/2014/main" id="{B3A7A340-5857-4050-BE3A-1A9E417CA0A7}"/>
+                  </a:ext>
+                </a:extLst>
+              </p:cNvPr>
+              <p:cNvCxnSpPr>
+                <a:cxnSpLocks/>
+              </p:cNvCxnSpPr>
+              <p:nvPr/>
+            </p:nvCxnSpPr>
+            <p:spPr>
+              <a:xfrm>
+                <a:off x="9014606" y="3326920"/>
+                <a:ext cx="0" cy="655608"/>
+              </a:xfrm>
+              <a:prstGeom prst="line">
+                <a:avLst/>
+              </a:prstGeom>
+              <a:ln w="57150">
+                <a:solidFill>
+                  <a:schemeClr val="tx1"/>
+                </a:solidFill>
+              </a:ln>
+            </p:spPr>
+            <p:style>
+              <a:lnRef idx="1">
+                <a:schemeClr val="accent1"/>
+              </a:lnRef>
+              <a:fillRef idx="0">
+                <a:schemeClr val="accent1"/>
+              </a:fillRef>
+              <a:effectRef idx="0">
+                <a:schemeClr val="accent1"/>
+              </a:effectRef>
+              <a:fontRef idx="minor">
+                <a:schemeClr val="tx1"/>
+              </a:fontRef>
+            </p:style>
+          </p:cxnSp>
+          <p:cxnSp>
+            <p:nvCxnSpPr>
+              <p:cNvPr id="18" name="Straight Connector 17">
+                <a:extLst>
+                  <a:ext uri="{FF2B5EF4-FFF2-40B4-BE49-F238E27FC236}">
+                    <a16:creationId xmlns:a16="http://schemas.microsoft.com/office/drawing/2014/main" id="{9646FAC3-33E2-4F34-9646-5E65163BAB62}"/>
+                  </a:ext>
+                </a:extLst>
+              </p:cNvPr>
+              <p:cNvCxnSpPr>
+                <a:cxnSpLocks/>
+              </p:cNvCxnSpPr>
+              <p:nvPr/>
+            </p:nvCxnSpPr>
+            <p:spPr>
+              <a:xfrm flipV="1">
+                <a:off x="8304360" y="3982527"/>
+                <a:ext cx="710246" cy="224287"/>
+              </a:xfrm>
+              <a:prstGeom prst="line">
+                <a:avLst/>
+              </a:prstGeom>
+              <a:ln w="57150">
+                <a:solidFill>
+                  <a:schemeClr val="tx1"/>
+                </a:solidFill>
+              </a:ln>
+            </p:spPr>
+            <p:style>
+              <a:lnRef idx="1">
+                <a:schemeClr val="accent1"/>
+              </a:lnRef>
+              <a:fillRef idx="0">
+                <a:schemeClr val="accent1"/>
+              </a:fillRef>
+              <a:effectRef idx="0">
+                <a:schemeClr val="accent1"/>
+              </a:effectRef>
+              <a:fontRef idx="minor">
+                <a:schemeClr val="tx1"/>
+              </a:fontRef>
+            </p:style>
+          </p:cxnSp>
+          <p:cxnSp>
+            <p:nvCxnSpPr>
+              <p:cNvPr id="38" name="Straight Connector 37">
+                <a:extLst>
+                  <a:ext uri="{FF2B5EF4-FFF2-40B4-BE49-F238E27FC236}">
+                    <a16:creationId xmlns:a16="http://schemas.microsoft.com/office/drawing/2014/main" id="{27327349-FEA7-4044-B600-520130F0F071}"/>
+                  </a:ext>
+                </a:extLst>
+              </p:cNvPr>
+              <p:cNvCxnSpPr>
+                <a:cxnSpLocks/>
+              </p:cNvCxnSpPr>
+              <p:nvPr/>
+            </p:nvCxnSpPr>
+            <p:spPr>
+              <a:xfrm flipH="1" flipV="1">
+                <a:off x="9014606" y="3982527"/>
+                <a:ext cx="710246" cy="224287"/>
+              </a:xfrm>
+              <a:prstGeom prst="line">
+                <a:avLst/>
+              </a:prstGeom>
+              <a:ln w="57150">
+                <a:solidFill>
+                  <a:schemeClr val="tx1"/>
+                </a:solidFill>
+              </a:ln>
+            </p:spPr>
+            <p:style>
+              <a:lnRef idx="1">
+                <a:schemeClr val="accent1"/>
+              </a:lnRef>
+              <a:fillRef idx="0">
+                <a:schemeClr val="accent1"/>
+              </a:fillRef>
+              <a:effectRef idx="0">
+                <a:schemeClr val="accent1"/>
+              </a:effectRef>
+              <a:fontRef idx="minor">
+                <a:schemeClr val="tx1"/>
+              </a:fontRef>
+            </p:style>
+          </p:cxnSp>
+          <p:cxnSp>
+            <p:nvCxnSpPr>
+              <p:cNvPr id="39" name="Straight Connector 38">
+                <a:extLst>
+                  <a:ext uri="{FF2B5EF4-FFF2-40B4-BE49-F238E27FC236}">
+                    <a16:creationId xmlns:a16="http://schemas.microsoft.com/office/drawing/2014/main" id="{603280AD-4D4B-45FF-A461-6D871C81E80D}"/>
+                  </a:ext>
+                </a:extLst>
+              </p:cNvPr>
+              <p:cNvCxnSpPr>
+                <a:cxnSpLocks/>
+              </p:cNvCxnSpPr>
+              <p:nvPr/>
+            </p:nvCxnSpPr>
+            <p:spPr>
+              <a:xfrm flipV="1">
+                <a:off x="8380561" y="4014157"/>
+                <a:ext cx="634044" cy="902900"/>
+              </a:xfrm>
+              <a:prstGeom prst="line">
+                <a:avLst/>
+              </a:prstGeom>
+              <a:ln w="57150">
+                <a:solidFill>
+                  <a:schemeClr val="tx1"/>
+                </a:solidFill>
+              </a:ln>
+            </p:spPr>
+            <p:style>
+              <a:lnRef idx="1">
+                <a:schemeClr val="accent1"/>
+              </a:lnRef>
+              <a:fillRef idx="0">
+                <a:schemeClr val="accent1"/>
+              </a:fillRef>
+              <a:effectRef idx="0">
+                <a:schemeClr val="accent1"/>
+              </a:effectRef>
+              <a:fontRef idx="minor">
+                <a:schemeClr val="tx1"/>
+              </a:fontRef>
+            </p:style>
+          </p:cxnSp>
+          <p:cxnSp>
+            <p:nvCxnSpPr>
+              <p:cNvPr id="42" name="Straight Connector 41">
+                <a:extLst>
+                  <a:ext uri="{FF2B5EF4-FFF2-40B4-BE49-F238E27FC236}">
+                    <a16:creationId xmlns:a16="http://schemas.microsoft.com/office/drawing/2014/main" id="{B497AFD1-0140-4B79-AD3D-9FB1F74C5374}"/>
+                  </a:ext>
+                </a:extLst>
+              </p:cNvPr>
+              <p:cNvCxnSpPr>
+                <a:cxnSpLocks/>
+              </p:cNvCxnSpPr>
+              <p:nvPr/>
+            </p:nvCxnSpPr>
+            <p:spPr>
+              <a:xfrm flipH="1" flipV="1">
+                <a:off x="9014605" y="4014157"/>
+                <a:ext cx="634044" cy="902900"/>
+              </a:xfrm>
+              <a:prstGeom prst="line">
+                <a:avLst/>
+              </a:prstGeom>
+              <a:ln w="57150">
+                <a:solidFill>
+                  <a:schemeClr val="tx1"/>
+                </a:solidFill>
+              </a:ln>
+            </p:spPr>
+            <p:style>
+              <a:lnRef idx="1">
+                <a:schemeClr val="accent1"/>
+              </a:lnRef>
+              <a:fillRef idx="0">
+                <a:schemeClr val="accent1"/>
+              </a:fillRef>
+              <a:effectRef idx="0">
+                <a:schemeClr val="accent1"/>
+              </a:effectRef>
+              <a:fontRef idx="minor">
+                <a:schemeClr val="tx1"/>
+              </a:fontRef>
+            </p:style>
+          </p:cxnSp>
+        </p:grpSp>
+        <p:sp>
+          <p:nvSpPr>
+            <p:cNvPr id="43" name="TextBox 42">
+              <a:extLst>
+                <a:ext uri="{FF2B5EF4-FFF2-40B4-BE49-F238E27FC236}">
+                  <a16:creationId xmlns:a16="http://schemas.microsoft.com/office/drawing/2014/main" id="{4105649F-ADA8-4D31-B09A-9377F6984BB7}"/>
+                </a:ext>
+              </a:extLst>
+            </p:cNvPr>
+            <p:cNvSpPr txBox="1"/>
+            <p:nvPr/>
+          </p:nvSpPr>
+          <p:spPr>
+            <a:xfrm>
+              <a:off x="7133756" y="4704527"/>
+              <a:ext cx="1587844" cy="400110"/>
+            </a:xfrm>
+            <a:prstGeom prst="rect">
+              <a:avLst/>
+            </a:prstGeom>
+            <a:noFill/>
+          </p:spPr>
+          <p:txBody>
+            <a:bodyPr wrap="square">
+              <a:spAutoFit/>
+            </a:bodyPr>
+            <a:lstStyle/>
+            <a:p>
+              <a:pPr algn="ctr"/>
+              <a:r>
+                <a:rPr lang="de-DE" sz="2000" dirty="0">
+                  <a:solidFill>
+                    <a:schemeClr val="tx1"/>
+                  </a:solidFill>
+                  <a:latin typeface="Arial" panose="020B0604020202020204" pitchFamily="34" charset="0"/>
+                  <a:cs typeface="Arial" panose="020B0604020202020204" pitchFamily="34" charset="0"/>
+                </a:rPr>
+                <a:t>Her2</a:t>
+              </a:r>
+            </a:p>
+          </p:txBody>
+        </p:sp>
+        <p:sp>
+          <p:nvSpPr>
+            <p:cNvPr id="44" name="TextBox 43">
+              <a:extLst>
+                <a:ext uri="{FF2B5EF4-FFF2-40B4-BE49-F238E27FC236}">
+                  <a16:creationId xmlns:a16="http://schemas.microsoft.com/office/drawing/2014/main" id="{7FE47714-08D5-4097-B740-43C99397F65B}"/>
+                </a:ext>
+              </a:extLst>
+            </p:cNvPr>
+            <p:cNvSpPr txBox="1"/>
+            <p:nvPr/>
+          </p:nvSpPr>
+          <p:spPr>
+            <a:xfrm>
+              <a:off x="6884382" y="4006758"/>
+              <a:ext cx="1899399" cy="400110"/>
+            </a:xfrm>
+            <a:prstGeom prst="rect">
+              <a:avLst/>
+            </a:prstGeom>
+            <a:noFill/>
+          </p:spPr>
+          <p:txBody>
+            <a:bodyPr wrap="square">
+              <a:spAutoFit/>
+            </a:bodyPr>
+            <a:lstStyle/>
+            <a:p>
+              <a:pPr algn="ctr"/>
+              <a:r>
+                <a:rPr lang="de-DE" sz="2000" dirty="0">
+                  <a:latin typeface="Arial" panose="020B0604020202020204" pitchFamily="34" charset="0"/>
+                  <a:cs typeface="Arial" panose="020B0604020202020204" pitchFamily="34" charset="0"/>
+                </a:rPr>
+                <a:t>TNBC</a:t>
+              </a:r>
+              <a:endParaRPr lang="de-DE" sz="2000" dirty="0">
+                <a:solidFill>
+                  <a:schemeClr val="tx1"/>
+                </a:solidFill>
+                <a:latin typeface="Arial" panose="020B0604020202020204" pitchFamily="34" charset="0"/>
+                <a:cs typeface="Arial" panose="020B0604020202020204" pitchFamily="34" charset="0"/>
+              </a:endParaRPr>
+            </a:p>
+          </p:txBody>
+        </p:sp>
+        <p:sp>
+          <p:nvSpPr>
+            <p:cNvPr id="45" name="TextBox 44">
+              <a:extLst>
+                <a:ext uri="{FF2B5EF4-FFF2-40B4-BE49-F238E27FC236}">
+                  <a16:creationId xmlns:a16="http://schemas.microsoft.com/office/drawing/2014/main" id="{21A1ECA4-99B0-4AE3-92AA-5CAD3075E4BD}"/>
+                </a:ext>
+              </a:extLst>
+            </p:cNvPr>
+            <p:cNvSpPr txBox="1"/>
+            <p:nvPr/>
+          </p:nvSpPr>
+          <p:spPr>
+            <a:xfrm>
+              <a:off x="8902463" y="4704527"/>
+              <a:ext cx="2558316" cy="400110"/>
+            </a:xfrm>
+            <a:prstGeom prst="rect">
+              <a:avLst/>
+            </a:prstGeom>
+            <a:noFill/>
+          </p:spPr>
+          <p:txBody>
+            <a:bodyPr wrap="square">
+              <a:spAutoFit/>
+            </a:bodyPr>
+            <a:lstStyle/>
+            <a:p>
+              <a:pPr algn="ctr"/>
+              <a:r>
+                <a:rPr lang="de-DE" sz="2000" dirty="0">
+                  <a:solidFill>
+                    <a:schemeClr val="tx1"/>
+                  </a:solidFill>
+                  <a:latin typeface="Arial" panose="020B0604020202020204" pitchFamily="34" charset="0"/>
+                  <a:cs typeface="Arial" panose="020B0604020202020204" pitchFamily="34" charset="0"/>
+                </a:rPr>
+                <a:t>LumB</a:t>
+              </a:r>
+            </a:p>
+          </p:txBody>
+        </p:sp>
+        <p:sp>
+          <p:nvSpPr>
+            <p:cNvPr id="46" name="TextBox 45">
+              <a:extLst>
+                <a:ext uri="{FF2B5EF4-FFF2-40B4-BE49-F238E27FC236}">
+                  <a16:creationId xmlns:a16="http://schemas.microsoft.com/office/drawing/2014/main" id="{3295C55E-316D-454A-A008-BE4B73C8E374}"/>
+                </a:ext>
+              </a:extLst>
+            </p:cNvPr>
+            <p:cNvSpPr txBox="1"/>
+            <p:nvPr/>
+          </p:nvSpPr>
+          <p:spPr>
+            <a:xfrm>
+              <a:off x="8902463" y="4006758"/>
+              <a:ext cx="2558316" cy="400110"/>
+            </a:xfrm>
+            <a:prstGeom prst="rect">
+              <a:avLst/>
+            </a:prstGeom>
+            <a:noFill/>
+          </p:spPr>
+          <p:txBody>
+            <a:bodyPr wrap="square">
+              <a:spAutoFit/>
+            </a:bodyPr>
+            <a:lstStyle/>
+            <a:p>
+              <a:pPr algn="ctr"/>
+              <a:r>
+                <a:rPr lang="de-DE" sz="2000" dirty="0">
+                  <a:solidFill>
+                    <a:schemeClr val="tx1"/>
+                  </a:solidFill>
+                  <a:latin typeface="Arial" panose="020B0604020202020204" pitchFamily="34" charset="0"/>
+                  <a:cs typeface="Arial" panose="020B0604020202020204" pitchFamily="34" charset="0"/>
+                </a:rPr>
+                <a:t>LumA</a:t>
+              </a:r>
+            </a:p>
+          </p:txBody>
+        </p:sp>
+      </p:grpSp>
+      <p:pic>
+        <p:nvPicPr>
+          <p:cNvPr id="1026" name="Picture 2" descr="How it works? – Aird">
+            <a:extLst>
+              <a:ext uri="{FF2B5EF4-FFF2-40B4-BE49-F238E27FC236}">
+                <a16:creationId xmlns:a16="http://schemas.microsoft.com/office/drawing/2014/main" id="{29E2C4E1-7576-4B24-A1B7-C2B918B1EE74}"/>
+              </a:ext>
+            </a:extLst>
+          </p:cNvPr>
+          <p:cNvPicPr>
+            <a:picLocks noChangeAspect="1" noChangeArrowheads="1"/>
+          </p:cNvPicPr>
+          <p:nvPr/>
+        </p:nvPicPr>
+        <p:blipFill>
+          <a:blip r:embed="rId2">
+            <a:extLst>
+              <a:ext uri="{28A0092B-C50C-407E-A947-70E740481C1C}">
+                <a14:useLocalDpi xmlns:a14="http://schemas.microsoft.com/office/drawing/2010/main" val="0"/>
+              </a:ext>
+            </a:extLst>
+          </a:blip>
+          <a:srcRect/>
+          <a:stretch>
+            <a:fillRect/>
+          </a:stretch>
+        </p:blipFill>
+        <p:spPr bwMode="auto">
+          <a:xfrm rot="18919319">
+            <a:off x="7612151" y="2898733"/>
+            <a:ext cx="2875473" cy="2875473"/>
           </a:xfrm>
           <a:prstGeom prst="rect">
             <a:avLst/>
           </a:prstGeom>
           <a:noFill/>
+          <a:extLst>
+            <a:ext uri="{909E8E84-426E-40DD-AFC4-6F175D3DCCD1}">
+              <a14:hiddenFill xmlns:a14="http://schemas.microsoft.com/office/drawing/2010/main">
+                <a:solidFill>
+                  <a:srgbClr val="FFFFFF"/>
+                </a:solidFill>
+              </a14:hiddenFill>
+            </a:ext>
+          </a:extLst>
         </p:spPr>
-        <p:txBody>
-          <a:bodyPr wrap="square">
-            <a:spAutoFit/>
-          </a:bodyPr>
-          <a:lstStyle/>
-          <a:p>
-            <a:pPr algn="ctr"/>
-            <a:r>
-              <a:rPr lang="de-DE" sz="1800" b="0" dirty="0">
-                <a:solidFill>
-                  <a:schemeClr val="tx1"/>
-                </a:solidFill>
-                <a:latin typeface="Arial" panose="020B0604020202020204" pitchFamily="34" charset="0"/>
-                <a:cs typeface="Arial" panose="020B0604020202020204" pitchFamily="34" charset="0"/>
-              </a:rPr>
-              <a:t>Data set did </a:t>
-            </a:r>
-            <a:r>
-              <a:rPr lang="de-DE" sz="1800" b="1" dirty="0">
-                <a:solidFill>
-                  <a:schemeClr val="tx1"/>
-                </a:solidFill>
-                <a:latin typeface="Arial" panose="020B0604020202020204" pitchFamily="34" charset="0"/>
-                <a:cs typeface="Arial" panose="020B0604020202020204" pitchFamily="34" charset="0"/>
-              </a:rPr>
-              <a:t>not</a:t>
-            </a:r>
-            <a:r>
-              <a:rPr lang="de-DE" sz="1800" b="0" dirty="0">
-                <a:solidFill>
-                  <a:schemeClr val="tx1"/>
-                </a:solidFill>
-                <a:latin typeface="Arial" panose="020B0604020202020204" pitchFamily="34" charset="0"/>
-                <a:cs typeface="Arial" panose="020B0604020202020204" pitchFamily="34" charset="0"/>
-              </a:rPr>
-              <a:t> include </a:t>
-            </a:r>
-            <a:r>
-              <a:rPr lang="de-DE" sz="1800" b="1" i="1" dirty="0">
-                <a:solidFill>
-                  <a:schemeClr val="tx1"/>
-                </a:solidFill>
-                <a:latin typeface="Arial" panose="020B0604020202020204" pitchFamily="34" charset="0"/>
-                <a:cs typeface="Arial" panose="020B0604020202020204" pitchFamily="34" charset="0"/>
-              </a:rPr>
-              <a:t>NA</a:t>
-            </a:r>
-            <a:r>
-              <a:rPr lang="de-DE" sz="1800" b="0" dirty="0">
-                <a:solidFill>
-                  <a:schemeClr val="tx1"/>
-                </a:solidFill>
-                <a:latin typeface="Arial" panose="020B0604020202020204" pitchFamily="34" charset="0"/>
-                <a:cs typeface="Arial" panose="020B0604020202020204" pitchFamily="34" charset="0"/>
-              </a:rPr>
-              <a:t> values</a:t>
-            </a:r>
-          </a:p>
-        </p:txBody>
-      </p:sp>
-      <p:sp>
-        <p:nvSpPr>
-          <p:cNvPr id="13" name="TextBox 12">
+      </p:pic>
+      <p:pic>
+        <p:nvPicPr>
+          <p:cNvPr id="50" name="Picture 2" descr="How it works? – Aird">
             <a:extLst>
               <a:ext uri="{FF2B5EF4-FFF2-40B4-BE49-F238E27FC236}">
-                <a16:creationId xmlns:a16="http://schemas.microsoft.com/office/drawing/2014/main" id="{E234E53D-732A-41A0-A7B3-D65327C25327}"/>
+                <a16:creationId xmlns:a16="http://schemas.microsoft.com/office/drawing/2014/main" id="{AC84619C-7E64-4AED-8937-56B7EB9E4501}"/>
               </a:ext>
             </a:extLst>
           </p:cNvPr>
-          <p:cNvSpPr txBox="1"/>
+          <p:cNvPicPr>
+            <a:picLocks noChangeAspect="1" noChangeArrowheads="1"/>
+          </p:cNvPicPr>
           <p:nvPr/>
-        </p:nvSpPr>
-        <p:spPr>
+        </p:nvPicPr>
+        <p:blipFill>
+          <a:blip r:embed="rId2">
+            <a:extLst>
+              <a:ext uri="{28A0092B-C50C-407E-A947-70E740481C1C}">
+                <a14:useLocalDpi xmlns:a14="http://schemas.microsoft.com/office/drawing/2010/main" val="0"/>
+              </a:ext>
+            </a:extLst>
+          </a:blip>
+          <a:srcRect/>
+          <a:stretch>
+            <a:fillRect/>
+          </a:stretch>
+        </p:blipFill>
+        <p:spPr bwMode="auto">
           <a:xfrm>
-            <a:off x="267420" y="5652970"/>
-            <a:ext cx="6101750" cy="369332"/>
+            <a:off x="1561515" y="2815345"/>
+            <a:ext cx="2875473" cy="2875473"/>
           </a:xfrm>
           <a:prstGeom prst="rect">
             <a:avLst/>
           </a:prstGeom>
           <a:noFill/>
+          <a:extLst>
+            <a:ext uri="{909E8E84-426E-40DD-AFC4-6F175D3DCCD1}">
+              <a14:hiddenFill xmlns:a14="http://schemas.microsoft.com/office/drawing/2010/main">
+                <a:solidFill>
+                  <a:srgbClr val="FFFFFF"/>
+                </a:solidFill>
+              </a14:hiddenFill>
+            </a:ext>
+          </a:extLst>
         </p:spPr>
-        <p:txBody>
-          <a:bodyPr wrap="square">
-            <a:spAutoFit/>
-          </a:bodyPr>
-          <a:lstStyle/>
-          <a:p>
-            <a:pPr algn="ctr"/>
-            <a:r>
-              <a:rPr lang="de-DE" sz="1800" b="0" dirty="0">
-                <a:solidFill>
-                  <a:schemeClr val="tx1"/>
-                </a:solidFill>
-                <a:latin typeface="Arial" panose="020B0604020202020204" pitchFamily="34" charset="0"/>
-                <a:cs typeface="Arial" panose="020B0604020202020204" pitchFamily="34" charset="0"/>
-              </a:rPr>
-              <a:t>Data set did </a:t>
-            </a:r>
-            <a:r>
-              <a:rPr lang="de-DE" sz="1800" b="1" dirty="0">
-                <a:solidFill>
-                  <a:schemeClr val="tx1"/>
-                </a:solidFill>
-                <a:latin typeface="Arial" panose="020B0604020202020204" pitchFamily="34" charset="0"/>
-                <a:cs typeface="Arial" panose="020B0604020202020204" pitchFamily="34" charset="0"/>
-              </a:rPr>
-              <a:t>not</a:t>
-            </a:r>
-            <a:r>
-              <a:rPr lang="de-DE" sz="1800" b="0" dirty="0">
-                <a:solidFill>
-                  <a:schemeClr val="tx1"/>
-                </a:solidFill>
-                <a:latin typeface="Arial" panose="020B0604020202020204" pitchFamily="34" charset="0"/>
-                <a:cs typeface="Arial" panose="020B0604020202020204" pitchFamily="34" charset="0"/>
-              </a:rPr>
-              <a:t> include </a:t>
-            </a:r>
-            <a:r>
-              <a:rPr lang="de-DE" sz="1800" b="1" dirty="0">
-                <a:solidFill>
-                  <a:schemeClr val="tx1"/>
-                </a:solidFill>
-                <a:latin typeface="Arial" panose="020B0604020202020204" pitchFamily="34" charset="0"/>
-                <a:cs typeface="Arial" panose="020B0604020202020204" pitchFamily="34" charset="0"/>
-              </a:rPr>
-              <a:t>values = 0 </a:t>
-            </a:r>
-          </a:p>
-        </p:txBody>
-      </p:sp>
-      <p:sp>
-        <p:nvSpPr>
-          <p:cNvPr id="15" name="TextBox 14">
-            <a:extLst>
-              <a:ext uri="{FF2B5EF4-FFF2-40B4-BE49-F238E27FC236}">
-                <a16:creationId xmlns:a16="http://schemas.microsoft.com/office/drawing/2014/main" id="{910E5AD0-9A44-48A1-AC79-38E69D164525}"/>
-              </a:ext>
-            </a:extLst>
-          </p:cNvPr>
-          <p:cNvSpPr txBox="1"/>
-          <p:nvPr/>
-        </p:nvSpPr>
-        <p:spPr>
-          <a:xfrm>
-            <a:off x="5822830" y="4462731"/>
-            <a:ext cx="6101750" cy="369332"/>
-          </a:xfrm>
-          <a:prstGeom prst="rect">
-            <a:avLst/>
-          </a:prstGeom>
-          <a:noFill/>
-        </p:spPr>
-        <p:txBody>
-          <a:bodyPr wrap="square">
-            <a:spAutoFit/>
-          </a:bodyPr>
-          <a:lstStyle/>
-          <a:p>
-            <a:pPr algn="ctr"/>
-            <a:r>
-              <a:rPr lang="de-DE" sz="1800" b="0" dirty="0">
-                <a:solidFill>
-                  <a:schemeClr val="tx1"/>
-                </a:solidFill>
-                <a:latin typeface="Arial" panose="020B0604020202020204" pitchFamily="34" charset="0"/>
-                <a:cs typeface="Arial" panose="020B0604020202020204" pitchFamily="34" charset="0"/>
-              </a:rPr>
-              <a:t>Data set did </a:t>
-            </a:r>
-            <a:r>
-              <a:rPr lang="de-DE" sz="1800" b="1" dirty="0">
-                <a:solidFill>
-                  <a:schemeClr val="tx1"/>
-                </a:solidFill>
-                <a:latin typeface="Arial" panose="020B0604020202020204" pitchFamily="34" charset="0"/>
-                <a:cs typeface="Arial" panose="020B0604020202020204" pitchFamily="34" charset="0"/>
-              </a:rPr>
-              <a:t>not</a:t>
-            </a:r>
-            <a:r>
-              <a:rPr lang="de-DE" sz="1800" b="0" dirty="0">
-                <a:solidFill>
-                  <a:schemeClr val="tx1"/>
-                </a:solidFill>
-                <a:latin typeface="Arial" panose="020B0604020202020204" pitchFamily="34" charset="0"/>
-                <a:cs typeface="Arial" panose="020B0604020202020204" pitchFamily="34" charset="0"/>
-              </a:rPr>
-              <a:t> include </a:t>
-            </a:r>
-            <a:r>
-              <a:rPr lang="de-DE" sz="1800" b="1" i="1" dirty="0">
-                <a:solidFill>
-                  <a:schemeClr val="tx1"/>
-                </a:solidFill>
-                <a:latin typeface="Arial" panose="020B0604020202020204" pitchFamily="34" charset="0"/>
-                <a:cs typeface="Arial" panose="020B0604020202020204" pitchFamily="34" charset="0"/>
-              </a:rPr>
-              <a:t>NA</a:t>
-            </a:r>
-            <a:r>
-              <a:rPr lang="de-DE" sz="1800" b="0" dirty="0">
-                <a:solidFill>
-                  <a:schemeClr val="tx1"/>
-                </a:solidFill>
-                <a:latin typeface="Arial" panose="020B0604020202020204" pitchFamily="34" charset="0"/>
-                <a:cs typeface="Arial" panose="020B0604020202020204" pitchFamily="34" charset="0"/>
-              </a:rPr>
-              <a:t> values</a:t>
-            </a:r>
-          </a:p>
-        </p:txBody>
-      </p:sp>
-      <p:sp>
-        <p:nvSpPr>
-          <p:cNvPr id="17" name="TextBox 16">
-            <a:extLst>
-              <a:ext uri="{FF2B5EF4-FFF2-40B4-BE49-F238E27FC236}">
-                <a16:creationId xmlns:a16="http://schemas.microsoft.com/office/drawing/2014/main" id="{A0D3BADA-EABA-4511-BFB7-6DF127A1625D}"/>
-              </a:ext>
-            </a:extLst>
-          </p:cNvPr>
-          <p:cNvSpPr txBox="1"/>
-          <p:nvPr/>
-        </p:nvSpPr>
-        <p:spPr>
-          <a:xfrm>
-            <a:off x="5822830" y="5652970"/>
-            <a:ext cx="6101750" cy="369332"/>
-          </a:xfrm>
-          <a:prstGeom prst="rect">
-            <a:avLst/>
-          </a:prstGeom>
-          <a:noFill/>
-        </p:spPr>
-        <p:txBody>
-          <a:bodyPr wrap="square">
-            <a:spAutoFit/>
-          </a:bodyPr>
-          <a:lstStyle/>
-          <a:p>
-            <a:pPr marL="0" marR="0" lvl="0" indent="0" algn="ctr" defTabSz="914400" rtl="0" eaLnBrk="1" fontAlgn="auto" latinLnBrk="0" hangingPunct="1">
-              <a:lnSpc>
-                <a:spcPct val="100000"/>
-              </a:lnSpc>
-              <a:spcBef>
-                <a:spcPts val="0"/>
-              </a:spcBef>
-              <a:spcAft>
-                <a:spcPts val="0"/>
-              </a:spcAft>
-              <a:buClrTx/>
-              <a:buSzTx/>
-              <a:buFontTx/>
-              <a:buNone/>
-              <a:tabLst/>
-              <a:defRPr/>
-            </a:pPr>
-            <a:r>
-              <a:rPr lang="de-DE" sz="1800" b="0" dirty="0">
-                <a:solidFill>
-                  <a:schemeClr val="tx1"/>
-                </a:solidFill>
-                <a:latin typeface="Arial" panose="020B0604020202020204" pitchFamily="34" charset="0"/>
-                <a:cs typeface="Arial" panose="020B0604020202020204" pitchFamily="34" charset="0"/>
-              </a:rPr>
-              <a:t>Data set did </a:t>
-            </a:r>
-            <a:r>
-              <a:rPr lang="de-DE" sz="1800" b="1" dirty="0">
-                <a:solidFill>
-                  <a:schemeClr val="tx1"/>
-                </a:solidFill>
-                <a:latin typeface="Arial" panose="020B0604020202020204" pitchFamily="34" charset="0"/>
-                <a:cs typeface="Arial" panose="020B0604020202020204" pitchFamily="34" charset="0"/>
-              </a:rPr>
-              <a:t>not</a:t>
-            </a:r>
-            <a:r>
-              <a:rPr lang="de-DE" sz="1800" b="0" dirty="0">
-                <a:solidFill>
-                  <a:schemeClr val="tx1"/>
-                </a:solidFill>
-                <a:latin typeface="Arial" panose="020B0604020202020204" pitchFamily="34" charset="0"/>
-                <a:cs typeface="Arial" panose="020B0604020202020204" pitchFamily="34" charset="0"/>
-              </a:rPr>
-              <a:t> include </a:t>
-            </a:r>
-            <a:r>
-              <a:rPr lang="de-DE" sz="1800" b="1" dirty="0">
-                <a:solidFill>
-                  <a:schemeClr val="tx1"/>
-                </a:solidFill>
-                <a:latin typeface="Arial" panose="020B0604020202020204" pitchFamily="34" charset="0"/>
-                <a:cs typeface="Arial" panose="020B0604020202020204" pitchFamily="34" charset="0"/>
-              </a:rPr>
-              <a:t>values = 0 </a:t>
-            </a:r>
-          </a:p>
-        </p:txBody>
-      </p:sp>
+      </p:pic>
     </p:spTree>
     <p:extLst>
       <p:ext uri="{BB962C8B-B14F-4D97-AF65-F5344CB8AC3E}">
-        <p14:creationId xmlns:p14="http://schemas.microsoft.com/office/powerpoint/2010/main" val="4086488040"/>
+        <p14:creationId xmlns:p14="http://schemas.microsoft.com/office/powerpoint/2010/main" val="798748733"/>
       </p:ext>
     </p:extLst>
   </p:cSld>
@@ -24090,7 +24256,7 @@
                             </p:stCondLst>
                             <p:childTnLst>
                               <p:par>
-                                <p:cTn id="5" presetID="10" presetClass="entr" presetSubtype="0" fill="hold" nodeType="clickEffect">
+                                <p:cTn id="5" presetID="10" presetClass="entr" presetSubtype="0" fill="hold" grpId="0" nodeType="clickEffect">
                                   <p:stCondLst>
                                     <p:cond delay="0"/>
                                   </p:stCondLst>
@@ -24103,7 +24269,7 @@
                                           </p:stCondLst>
                                         </p:cTn>
                                         <p:tgtEl>
-                                          <p:spTgt spid="6"/>
+                                          <p:spTgt spid="5"/>
                                         </p:tgtEl>
                                         <p:attrNameLst>
                                           <p:attrName>style.visibility</p:attrName>
@@ -24117,7 +24283,7 @@
                                       <p:cBhvr>
                                         <p:cTn id="7" dur="500"/>
                                         <p:tgtEl>
-                                          <p:spTgt spid="6"/>
+                                          <p:spTgt spid="5"/>
                                         </p:tgtEl>
                                       </p:cBhvr>
                                     </p:animEffect>
@@ -24156,7 +24322,7 @@
                                           </p:stCondLst>
                                         </p:cTn>
                                         <p:tgtEl>
-                                          <p:spTgt spid="3"/>
+                                          <p:spTgt spid="49"/>
                                         </p:tgtEl>
                                         <p:attrNameLst>
                                           <p:attrName>style.visibility</p:attrName>
@@ -24170,7 +24336,7 @@
                                       <p:cBhvr>
                                         <p:cTn id="12" dur="500"/>
                                         <p:tgtEl>
-                                          <p:spTgt spid="3"/>
+                                          <p:spTgt spid="49"/>
                                         </p:tgtEl>
                                       </p:cBhvr>
                                     </p:animEffect>
@@ -24196,7 +24362,7 @@
                             </p:stCondLst>
                             <p:childTnLst>
                               <p:par>
-                                <p:cTn id="15" presetID="10" presetClass="entr" presetSubtype="0" fill="hold" grpId="0" nodeType="clickEffect">
+                                <p:cTn id="15" presetID="10" presetClass="entr" presetSubtype="0" fill="hold" nodeType="clickEffect">
                                   <p:stCondLst>
                                     <p:cond delay="0"/>
                                   </p:stCondLst>
@@ -24209,7 +24375,7 @@
                                           </p:stCondLst>
                                         </p:cTn>
                                         <p:tgtEl>
-                                          <p:spTgt spid="11"/>
+                                          <p:spTgt spid="51"/>
                                         </p:tgtEl>
                                         <p:attrNameLst>
                                           <p:attrName>style.visibility</p:attrName>
@@ -24223,7 +24389,7 @@
                                       <p:cBhvr>
                                         <p:cTn id="17" dur="500"/>
                                         <p:tgtEl>
-                                          <p:spTgt spid="11"/>
+                                          <p:spTgt spid="51"/>
                                         </p:tgtEl>
                                       </p:cBhvr>
                                     </p:animEffect>
@@ -24249,7 +24415,7 @@
                             </p:stCondLst>
                             <p:childTnLst>
                               <p:par>
-                                <p:cTn id="20" presetID="10" presetClass="entr" presetSubtype="0" fill="hold" grpId="0" nodeType="clickEffect">
+                                <p:cTn id="20" presetID="10" presetClass="entr" presetSubtype="0" fill="hold" nodeType="clickEffect">
                                   <p:stCondLst>
                                     <p:cond delay="0"/>
                                   </p:stCondLst>
@@ -24262,7 +24428,7 @@
                                           </p:stCondLst>
                                         </p:cTn>
                                         <p:tgtEl>
-                                          <p:spTgt spid="13"/>
+                                          <p:spTgt spid="50"/>
                                         </p:tgtEl>
                                         <p:attrNameLst>
                                           <p:attrName>style.visibility</p:attrName>
@@ -24276,7 +24442,7 @@
                                       <p:cBhvr>
                                         <p:cTn id="22" dur="500"/>
                                         <p:tgtEl>
-                                          <p:spTgt spid="13"/>
+                                          <p:spTgt spid="50"/>
                                         </p:tgtEl>
                                       </p:cBhvr>
                                     </p:animEffect>
@@ -24302,7 +24468,7 @@
                             </p:stCondLst>
                             <p:childTnLst>
                               <p:par>
-                                <p:cTn id="25" presetID="10" presetClass="entr" presetSubtype="0" fill="hold" grpId="0" nodeType="clickEffect">
+                                <p:cTn id="25" presetID="10" presetClass="entr" presetSubtype="0" fill="hold" nodeType="clickEffect">
                                   <p:stCondLst>
                                     <p:cond delay="0"/>
                                   </p:stCondLst>
@@ -24315,7 +24481,7 @@
                                           </p:stCondLst>
                                         </p:cTn>
                                         <p:tgtEl>
-                                          <p:spTgt spid="15"/>
+                                          <p:spTgt spid="53"/>
                                         </p:tgtEl>
                                         <p:attrNameLst>
                                           <p:attrName>style.visibility</p:attrName>
@@ -24329,7 +24495,7 @@
                                       <p:cBhvr>
                                         <p:cTn id="27" dur="500"/>
                                         <p:tgtEl>
-                                          <p:spTgt spid="15"/>
+                                          <p:spTgt spid="53"/>
                                         </p:tgtEl>
                                       </p:cBhvr>
                                     </p:animEffect>
@@ -24355,7 +24521,7 @@
                             </p:stCondLst>
                             <p:childTnLst>
                               <p:par>
-                                <p:cTn id="30" presetID="10" presetClass="entr" presetSubtype="0" fill="hold" grpId="0" nodeType="clickEffect">
+                                <p:cTn id="30" presetID="10" presetClass="entr" presetSubtype="0" fill="hold" nodeType="clickEffect">
                                   <p:stCondLst>
                                     <p:cond delay="0"/>
                                   </p:stCondLst>
@@ -24368,7 +24534,7 @@
                                           </p:stCondLst>
                                         </p:cTn>
                                         <p:tgtEl>
-                                          <p:spTgt spid="17"/>
+                                          <p:spTgt spid="1026"/>
                                         </p:tgtEl>
                                         <p:attrNameLst>
                                           <p:attrName>style.visibility</p:attrName>
@@ -24382,7 +24548,7 @@
                                       <p:cBhvr>
                                         <p:cTn id="32" dur="500"/>
                                         <p:tgtEl>
-                                          <p:spTgt spid="17"/>
+                                          <p:spTgt spid="1026"/>
                                         </p:tgtEl>
                                       </p:cBhvr>
                                     </p:animEffect>
@@ -24417,10 +24583,7 @@
       </p:par>
     </p:tnLst>
     <p:bldLst>
-      <p:bldP spid="11" grpId="0"/>
-      <p:bldP spid="13" grpId="0"/>
-      <p:bldP spid="15" grpId="0"/>
-      <p:bldP spid="17" grpId="0"/>
+      <p:bldP spid="5" grpId="0" animBg="1"/>
     </p:bldLst>
   </p:timing>
 </p:sld>
@@ -28104,7 +28267,7 @@
                             </p:stCondLst>
                             <p:childTnLst>
                               <p:par>
-                                <p:cTn id="23" presetID="10" presetClass="entr" presetSubtype="0" fill="hold" nodeType="clickEffect">
+                                <p:cTn id="23" presetID="10" presetClass="entr" presetSubtype="0" fill="hold" grpId="0" nodeType="clickEffect">
                                   <p:stCondLst>
                                     <p:cond delay="0"/>
                                   </p:stCondLst>
@@ -28112,6 +28275,324 @@
                                     <p:set>
                                       <p:cBhvr>
                                         <p:cTn id="24" dur="1" fill="hold">
+                                          <p:stCondLst>
+                                            <p:cond delay="0"/>
+                                          </p:stCondLst>
+                                        </p:cTn>
+                                        <p:tgtEl>
+                                          <p:spTgt spid="16"/>
+                                        </p:tgtEl>
+                                        <p:attrNameLst>
+                                          <p:attrName>style.visibility</p:attrName>
+                                        </p:attrNameLst>
+                                      </p:cBhvr>
+                                      <p:to>
+                                        <p:strVal val="visible"/>
+                                      </p:to>
+                                    </p:set>
+                                    <p:animEffect transition="in" filter="fade">
+                                      <p:cBhvr>
+                                        <p:cTn id="25" dur="500"/>
+                                        <p:tgtEl>
+                                          <p:spTgt spid="16"/>
+                                        </p:tgtEl>
+                                      </p:cBhvr>
+                                    </p:animEffect>
+                                  </p:childTnLst>
+                                </p:cTn>
+                              </p:par>
+                            </p:childTnLst>
+                          </p:cTn>
+                        </p:par>
+                      </p:childTnLst>
+                    </p:cTn>
+                  </p:par>
+                  <p:par>
+                    <p:cTn id="26" fill="hold">
+                      <p:stCondLst>
+                        <p:cond delay="indefinite"/>
+                      </p:stCondLst>
+                      <p:childTnLst>
+                        <p:par>
+                          <p:cTn id="27" fill="hold">
+                            <p:stCondLst>
+                              <p:cond delay="0"/>
+                            </p:stCondLst>
+                            <p:childTnLst>
+                              <p:par>
+                                <p:cTn id="28" presetID="10" presetClass="entr" presetSubtype="0" fill="hold" nodeType="clickEffect">
+                                  <p:stCondLst>
+                                    <p:cond delay="0"/>
+                                  </p:stCondLst>
+                                  <p:childTnLst>
+                                    <p:set>
+                                      <p:cBhvr>
+                                        <p:cTn id="29" dur="1" fill="hold">
+                                          <p:stCondLst>
+                                            <p:cond delay="0"/>
+                                          </p:stCondLst>
+                                        </p:cTn>
+                                        <p:tgtEl>
+                                          <p:spTgt spid="18"/>
+                                        </p:tgtEl>
+                                        <p:attrNameLst>
+                                          <p:attrName>style.visibility</p:attrName>
+                                        </p:attrNameLst>
+                                      </p:cBhvr>
+                                      <p:to>
+                                        <p:strVal val="visible"/>
+                                      </p:to>
+                                    </p:set>
+                                    <p:animEffect transition="in" filter="fade">
+                                      <p:cBhvr>
+                                        <p:cTn id="30" dur="500"/>
+                                        <p:tgtEl>
+                                          <p:spTgt spid="18"/>
+                                        </p:tgtEl>
+                                      </p:cBhvr>
+                                    </p:animEffect>
+                                  </p:childTnLst>
+                                </p:cTn>
+                              </p:par>
+                            </p:childTnLst>
+                          </p:cTn>
+                        </p:par>
+                      </p:childTnLst>
+                    </p:cTn>
+                  </p:par>
+                  <p:par>
+                    <p:cTn id="31" fill="hold">
+                      <p:stCondLst>
+                        <p:cond delay="indefinite"/>
+                      </p:stCondLst>
+                      <p:childTnLst>
+                        <p:par>
+                          <p:cTn id="32" fill="hold">
+                            <p:stCondLst>
+                              <p:cond delay="0"/>
+                            </p:stCondLst>
+                            <p:childTnLst>
+                              <p:par>
+                                <p:cTn id="33" presetID="10" presetClass="entr" presetSubtype="0" fill="hold" grpId="0" nodeType="clickEffect">
+                                  <p:stCondLst>
+                                    <p:cond delay="0"/>
+                                  </p:stCondLst>
+                                  <p:childTnLst>
+                                    <p:set>
+                                      <p:cBhvr>
+                                        <p:cTn id="34" dur="1" fill="hold">
+                                          <p:stCondLst>
+                                            <p:cond delay="0"/>
+                                          </p:stCondLst>
+                                        </p:cTn>
+                                        <p:tgtEl>
+                                          <p:spTgt spid="19"/>
+                                        </p:tgtEl>
+                                        <p:attrNameLst>
+                                          <p:attrName>style.visibility</p:attrName>
+                                        </p:attrNameLst>
+                                      </p:cBhvr>
+                                      <p:to>
+                                        <p:strVal val="visible"/>
+                                      </p:to>
+                                    </p:set>
+                                    <p:animEffect transition="in" filter="fade">
+                                      <p:cBhvr>
+                                        <p:cTn id="35" dur="500"/>
+                                        <p:tgtEl>
+                                          <p:spTgt spid="19"/>
+                                        </p:tgtEl>
+                                      </p:cBhvr>
+                                    </p:animEffect>
+                                  </p:childTnLst>
+                                </p:cTn>
+                              </p:par>
+                            </p:childTnLst>
+                          </p:cTn>
+                        </p:par>
+                      </p:childTnLst>
+                    </p:cTn>
+                  </p:par>
+                  <p:par>
+                    <p:cTn id="36" fill="hold">
+                      <p:stCondLst>
+                        <p:cond delay="indefinite"/>
+                      </p:stCondLst>
+                      <p:childTnLst>
+                        <p:par>
+                          <p:cTn id="37" fill="hold">
+                            <p:stCondLst>
+                              <p:cond delay="0"/>
+                            </p:stCondLst>
+                            <p:childTnLst>
+                              <p:par>
+                                <p:cTn id="38" presetID="10" presetClass="entr" presetSubtype="0" fill="hold" grpId="0" nodeType="clickEffect">
+                                  <p:stCondLst>
+                                    <p:cond delay="0"/>
+                                  </p:stCondLst>
+                                  <p:childTnLst>
+                                    <p:set>
+                                      <p:cBhvr>
+                                        <p:cTn id="39" dur="1" fill="hold">
+                                          <p:stCondLst>
+                                            <p:cond delay="0"/>
+                                          </p:stCondLst>
+                                        </p:cTn>
+                                        <p:tgtEl>
+                                          <p:spTgt spid="20"/>
+                                        </p:tgtEl>
+                                        <p:attrNameLst>
+                                          <p:attrName>style.visibility</p:attrName>
+                                        </p:attrNameLst>
+                                      </p:cBhvr>
+                                      <p:to>
+                                        <p:strVal val="visible"/>
+                                      </p:to>
+                                    </p:set>
+                                    <p:animEffect transition="in" filter="fade">
+                                      <p:cBhvr>
+                                        <p:cTn id="40" dur="500"/>
+                                        <p:tgtEl>
+                                          <p:spTgt spid="20"/>
+                                        </p:tgtEl>
+                                      </p:cBhvr>
+                                    </p:animEffect>
+                                  </p:childTnLst>
+                                </p:cTn>
+                              </p:par>
+                            </p:childTnLst>
+                          </p:cTn>
+                        </p:par>
+                      </p:childTnLst>
+                    </p:cTn>
+                  </p:par>
+                  <p:par>
+                    <p:cTn id="41" fill="hold">
+                      <p:stCondLst>
+                        <p:cond delay="indefinite"/>
+                      </p:stCondLst>
+                      <p:childTnLst>
+                        <p:par>
+                          <p:cTn id="42" fill="hold">
+                            <p:stCondLst>
+                              <p:cond delay="0"/>
+                            </p:stCondLst>
+                            <p:childTnLst>
+                              <p:par>
+                                <p:cTn id="43" presetID="10" presetClass="entr" presetSubtype="0" fill="hold" nodeType="clickEffect">
+                                  <p:stCondLst>
+                                    <p:cond delay="0"/>
+                                  </p:stCondLst>
+                                  <p:childTnLst>
+                                    <p:set>
+                                      <p:cBhvr>
+                                        <p:cTn id="44" dur="1" fill="hold">
+                                          <p:stCondLst>
+                                            <p:cond delay="0"/>
+                                          </p:stCondLst>
+                                        </p:cTn>
+                                        <p:tgtEl>
+                                          <p:spTgt spid="25"/>
+                                        </p:tgtEl>
+                                        <p:attrNameLst>
+                                          <p:attrName>style.visibility</p:attrName>
+                                        </p:attrNameLst>
+                                      </p:cBhvr>
+                                      <p:to>
+                                        <p:strVal val="visible"/>
+                                      </p:to>
+                                    </p:set>
+                                    <p:animEffect transition="in" filter="fade">
+                                      <p:cBhvr>
+                                        <p:cTn id="45" dur="500"/>
+                                        <p:tgtEl>
+                                          <p:spTgt spid="25"/>
+                                        </p:tgtEl>
+                                      </p:cBhvr>
+                                    </p:animEffect>
+                                  </p:childTnLst>
+                                </p:cTn>
+                              </p:par>
+                            </p:childTnLst>
+                          </p:cTn>
+                        </p:par>
+                      </p:childTnLst>
+                    </p:cTn>
+                  </p:par>
+                  <p:par>
+                    <p:cTn id="46" fill="hold">
+                      <p:stCondLst>
+                        <p:cond delay="indefinite"/>
+                      </p:stCondLst>
+                      <p:childTnLst>
+                        <p:par>
+                          <p:cTn id="47" fill="hold">
+                            <p:stCondLst>
+                              <p:cond delay="0"/>
+                            </p:stCondLst>
+                            <p:childTnLst>
+                              <p:par>
+                                <p:cTn id="48" presetID="10" presetClass="entr" presetSubtype="0" fill="hold" grpId="0" nodeType="clickEffect">
+                                  <p:stCondLst>
+                                    <p:cond delay="0"/>
+                                  </p:stCondLst>
+                                  <p:childTnLst>
+                                    <p:set>
+                                      <p:cBhvr>
+                                        <p:cTn id="49" dur="1" fill="hold">
+                                          <p:stCondLst>
+                                            <p:cond delay="0"/>
+                                          </p:stCondLst>
+                                        </p:cTn>
+                                        <p:tgtEl>
+                                          <p:spTgt spid="23"/>
+                                        </p:tgtEl>
+                                        <p:attrNameLst>
+                                          <p:attrName>style.visibility</p:attrName>
+                                        </p:attrNameLst>
+                                      </p:cBhvr>
+                                      <p:to>
+                                        <p:strVal val="visible"/>
+                                      </p:to>
+                                    </p:set>
+                                    <p:animEffect transition="in" filter="fade">
+                                      <p:cBhvr>
+                                        <p:cTn id="50" dur="500"/>
+                                        <p:tgtEl>
+                                          <p:spTgt spid="23"/>
+                                        </p:tgtEl>
+                                      </p:cBhvr>
+                                    </p:animEffect>
+                                  </p:childTnLst>
+                                </p:cTn>
+                              </p:par>
+                            </p:childTnLst>
+                          </p:cTn>
+                        </p:par>
+                      </p:childTnLst>
+                    </p:cTn>
+                  </p:par>
+                  <p:par>
+                    <p:cTn id="51" fill="hold">
+                      <p:stCondLst>
+                        <p:cond delay="indefinite"/>
+                      </p:stCondLst>
+                      <p:childTnLst>
+                        <p:par>
+                          <p:cTn id="52" fill="hold">
+                            <p:stCondLst>
+                              <p:cond delay="0"/>
+                            </p:stCondLst>
+                            <p:childTnLst>
+                              <p:par>
+                                <p:cTn id="53" presetID="10" presetClass="entr" presetSubtype="0" fill="hold" nodeType="clickEffect">
+                                  <p:stCondLst>
+                                    <p:cond delay="0"/>
+                                  </p:stCondLst>
+                                  <p:childTnLst>
+                                    <p:set>
+                                      <p:cBhvr>
+                                        <p:cTn id="54" dur="1" fill="hold">
                                           <p:stCondLst>
                                             <p:cond delay="0"/>
                                           </p:stCondLst>
@@ -28129,7 +28610,7 @@
                                     </p:set>
                                     <p:animEffect transition="in" filter="fade">
                                       <p:cBhvr>
-                                        <p:cTn id="25" dur="500"/>
+                                        <p:cTn id="55" dur="500"/>
                                         <p:tgtEl>
                                           <p:spTgt spid="12"/>
                                         </p:tgtEl>
@@ -28139,14 +28620,14 @@
                                 </p:cTn>
                               </p:par>
                               <p:par>
-                                <p:cTn id="26" presetID="10" presetClass="entr" presetSubtype="0" fill="hold" grpId="0" nodeType="withEffect">
+                                <p:cTn id="56" presetID="10" presetClass="entr" presetSubtype="0" fill="hold" grpId="0" nodeType="withEffect">
                                   <p:stCondLst>
                                     <p:cond delay="0"/>
                                   </p:stCondLst>
                                   <p:childTnLst>
                                     <p:set>
                                       <p:cBhvr>
-                                        <p:cTn id="27" dur="1" fill="hold">
+                                        <p:cTn id="57" dur="1" fill="hold">
                                           <p:stCondLst>
                                             <p:cond delay="0"/>
                                           </p:stCondLst>
@@ -28164,327 +28645,9 @@
                                     </p:set>
                                     <p:animEffect transition="in" filter="fade">
                                       <p:cBhvr>
-                                        <p:cTn id="28" dur="500"/>
+                                        <p:cTn id="58" dur="500"/>
                                         <p:tgtEl>
                                           <p:spTgt spid="24"/>
-                                        </p:tgtEl>
-                                      </p:cBhvr>
-                                    </p:animEffect>
-                                  </p:childTnLst>
-                                </p:cTn>
-                              </p:par>
-                            </p:childTnLst>
-                          </p:cTn>
-                        </p:par>
-                      </p:childTnLst>
-                    </p:cTn>
-                  </p:par>
-                  <p:par>
-                    <p:cTn id="29" fill="hold">
-                      <p:stCondLst>
-                        <p:cond delay="indefinite"/>
-                      </p:stCondLst>
-                      <p:childTnLst>
-                        <p:par>
-                          <p:cTn id="30" fill="hold">
-                            <p:stCondLst>
-                              <p:cond delay="0"/>
-                            </p:stCondLst>
-                            <p:childTnLst>
-                              <p:par>
-                                <p:cTn id="31" presetID="10" presetClass="entr" presetSubtype="0" fill="hold" grpId="0" nodeType="clickEffect">
-                                  <p:stCondLst>
-                                    <p:cond delay="0"/>
-                                  </p:stCondLst>
-                                  <p:childTnLst>
-                                    <p:set>
-                                      <p:cBhvr>
-                                        <p:cTn id="32" dur="1" fill="hold">
-                                          <p:stCondLst>
-                                            <p:cond delay="0"/>
-                                          </p:stCondLst>
-                                        </p:cTn>
-                                        <p:tgtEl>
-                                          <p:spTgt spid="34"/>
-                                        </p:tgtEl>
-                                        <p:attrNameLst>
-                                          <p:attrName>style.visibility</p:attrName>
-                                        </p:attrNameLst>
-                                      </p:cBhvr>
-                                      <p:to>
-                                        <p:strVal val="visible"/>
-                                      </p:to>
-                                    </p:set>
-                                    <p:animEffect transition="in" filter="fade">
-                                      <p:cBhvr>
-                                        <p:cTn id="33" dur="500"/>
-                                        <p:tgtEl>
-                                          <p:spTgt spid="34"/>
-                                        </p:tgtEl>
-                                      </p:cBhvr>
-                                    </p:animEffect>
-                                  </p:childTnLst>
-                                </p:cTn>
-                              </p:par>
-                            </p:childTnLst>
-                          </p:cTn>
-                        </p:par>
-                      </p:childTnLst>
-                    </p:cTn>
-                  </p:par>
-                  <p:par>
-                    <p:cTn id="34" fill="hold">
-                      <p:stCondLst>
-                        <p:cond delay="indefinite"/>
-                      </p:stCondLst>
-                      <p:childTnLst>
-                        <p:par>
-                          <p:cTn id="35" fill="hold">
-                            <p:stCondLst>
-                              <p:cond delay="0"/>
-                            </p:stCondLst>
-                            <p:childTnLst>
-                              <p:par>
-                                <p:cTn id="36" presetID="10" presetClass="entr" presetSubtype="0" fill="hold" grpId="0" nodeType="clickEffect">
-                                  <p:stCondLst>
-                                    <p:cond delay="0"/>
-                                  </p:stCondLst>
-                                  <p:childTnLst>
-                                    <p:set>
-                                      <p:cBhvr>
-                                        <p:cTn id="37" dur="1" fill="hold">
-                                          <p:stCondLst>
-                                            <p:cond delay="0"/>
-                                          </p:stCondLst>
-                                        </p:cTn>
-                                        <p:tgtEl>
-                                          <p:spTgt spid="16"/>
-                                        </p:tgtEl>
-                                        <p:attrNameLst>
-                                          <p:attrName>style.visibility</p:attrName>
-                                        </p:attrNameLst>
-                                      </p:cBhvr>
-                                      <p:to>
-                                        <p:strVal val="visible"/>
-                                      </p:to>
-                                    </p:set>
-                                    <p:animEffect transition="in" filter="fade">
-                                      <p:cBhvr>
-                                        <p:cTn id="38" dur="500"/>
-                                        <p:tgtEl>
-                                          <p:spTgt spid="16"/>
-                                        </p:tgtEl>
-                                      </p:cBhvr>
-                                    </p:animEffect>
-                                  </p:childTnLst>
-                                </p:cTn>
-                              </p:par>
-                            </p:childTnLst>
-                          </p:cTn>
-                        </p:par>
-                      </p:childTnLst>
-                    </p:cTn>
-                  </p:par>
-                  <p:par>
-                    <p:cTn id="39" fill="hold">
-                      <p:stCondLst>
-                        <p:cond delay="indefinite"/>
-                      </p:stCondLst>
-                      <p:childTnLst>
-                        <p:par>
-                          <p:cTn id="40" fill="hold">
-                            <p:stCondLst>
-                              <p:cond delay="0"/>
-                            </p:stCondLst>
-                            <p:childTnLst>
-                              <p:par>
-                                <p:cTn id="41" presetID="10" presetClass="entr" presetSubtype="0" fill="hold" nodeType="clickEffect">
-                                  <p:stCondLst>
-                                    <p:cond delay="0"/>
-                                  </p:stCondLst>
-                                  <p:childTnLst>
-                                    <p:set>
-                                      <p:cBhvr>
-                                        <p:cTn id="42" dur="1" fill="hold">
-                                          <p:stCondLst>
-                                            <p:cond delay="0"/>
-                                          </p:stCondLst>
-                                        </p:cTn>
-                                        <p:tgtEl>
-                                          <p:spTgt spid="18"/>
-                                        </p:tgtEl>
-                                        <p:attrNameLst>
-                                          <p:attrName>style.visibility</p:attrName>
-                                        </p:attrNameLst>
-                                      </p:cBhvr>
-                                      <p:to>
-                                        <p:strVal val="visible"/>
-                                      </p:to>
-                                    </p:set>
-                                    <p:animEffect transition="in" filter="fade">
-                                      <p:cBhvr>
-                                        <p:cTn id="43" dur="500"/>
-                                        <p:tgtEl>
-                                          <p:spTgt spid="18"/>
-                                        </p:tgtEl>
-                                      </p:cBhvr>
-                                    </p:animEffect>
-                                  </p:childTnLst>
-                                </p:cTn>
-                              </p:par>
-                            </p:childTnLst>
-                          </p:cTn>
-                        </p:par>
-                      </p:childTnLst>
-                    </p:cTn>
-                  </p:par>
-                  <p:par>
-                    <p:cTn id="44" fill="hold">
-                      <p:stCondLst>
-                        <p:cond delay="indefinite"/>
-                      </p:stCondLst>
-                      <p:childTnLst>
-                        <p:par>
-                          <p:cTn id="45" fill="hold">
-                            <p:stCondLst>
-                              <p:cond delay="0"/>
-                            </p:stCondLst>
-                            <p:childTnLst>
-                              <p:par>
-                                <p:cTn id="46" presetID="10" presetClass="entr" presetSubtype="0" fill="hold" grpId="0" nodeType="clickEffect">
-                                  <p:stCondLst>
-                                    <p:cond delay="0"/>
-                                  </p:stCondLst>
-                                  <p:childTnLst>
-                                    <p:set>
-                                      <p:cBhvr>
-                                        <p:cTn id="47" dur="1" fill="hold">
-                                          <p:stCondLst>
-                                            <p:cond delay="0"/>
-                                          </p:stCondLst>
-                                        </p:cTn>
-                                        <p:tgtEl>
-                                          <p:spTgt spid="19"/>
-                                        </p:tgtEl>
-                                        <p:attrNameLst>
-                                          <p:attrName>style.visibility</p:attrName>
-                                        </p:attrNameLst>
-                                      </p:cBhvr>
-                                      <p:to>
-                                        <p:strVal val="visible"/>
-                                      </p:to>
-                                    </p:set>
-                                    <p:animEffect transition="in" filter="fade">
-                                      <p:cBhvr>
-                                        <p:cTn id="48" dur="500"/>
-                                        <p:tgtEl>
-                                          <p:spTgt spid="19"/>
-                                        </p:tgtEl>
-                                      </p:cBhvr>
-                                    </p:animEffect>
-                                  </p:childTnLst>
-                                </p:cTn>
-                              </p:par>
-                            </p:childTnLst>
-                          </p:cTn>
-                        </p:par>
-                      </p:childTnLst>
-                    </p:cTn>
-                  </p:par>
-                  <p:par>
-                    <p:cTn id="49" fill="hold">
-                      <p:stCondLst>
-                        <p:cond delay="indefinite"/>
-                      </p:stCondLst>
-                      <p:childTnLst>
-                        <p:par>
-                          <p:cTn id="50" fill="hold">
-                            <p:stCondLst>
-                              <p:cond delay="0"/>
-                            </p:stCondLst>
-                            <p:childTnLst>
-                              <p:par>
-                                <p:cTn id="51" presetID="10" presetClass="entr" presetSubtype="0" fill="hold" grpId="0" nodeType="clickEffect">
-                                  <p:stCondLst>
-                                    <p:cond delay="0"/>
-                                  </p:stCondLst>
-                                  <p:childTnLst>
-                                    <p:set>
-                                      <p:cBhvr>
-                                        <p:cTn id="52" dur="1" fill="hold">
-                                          <p:stCondLst>
-                                            <p:cond delay="0"/>
-                                          </p:stCondLst>
-                                        </p:cTn>
-                                        <p:tgtEl>
-                                          <p:spTgt spid="20"/>
-                                        </p:tgtEl>
-                                        <p:attrNameLst>
-                                          <p:attrName>style.visibility</p:attrName>
-                                        </p:attrNameLst>
-                                      </p:cBhvr>
-                                      <p:to>
-                                        <p:strVal val="visible"/>
-                                      </p:to>
-                                    </p:set>
-                                    <p:animEffect transition="in" filter="fade">
-                                      <p:cBhvr>
-                                        <p:cTn id="53" dur="500"/>
-                                        <p:tgtEl>
-                                          <p:spTgt spid="20"/>
-                                        </p:tgtEl>
-                                      </p:cBhvr>
-                                    </p:animEffect>
-                                  </p:childTnLst>
-                                </p:cTn>
-                              </p:par>
-                            </p:childTnLst>
-                          </p:cTn>
-                        </p:par>
-                      </p:childTnLst>
-                    </p:cTn>
-                  </p:par>
-                  <p:par>
-                    <p:cTn id="54" fill="hold">
-                      <p:stCondLst>
-                        <p:cond delay="indefinite"/>
-                      </p:stCondLst>
-                      <p:childTnLst>
-                        <p:par>
-                          <p:cTn id="55" fill="hold">
-                            <p:stCondLst>
-                              <p:cond delay="0"/>
-                            </p:stCondLst>
-                            <p:childTnLst>
-                              <p:par>
-                                <p:cTn id="56" presetID="10" presetClass="entr" presetSubtype="0" fill="hold" nodeType="clickEffect">
-                                  <p:stCondLst>
-                                    <p:cond delay="0"/>
-                                  </p:stCondLst>
-                                  <p:childTnLst>
-                                    <p:set>
-                                      <p:cBhvr>
-                                        <p:cTn id="57" dur="1" fill="hold">
-                                          <p:stCondLst>
-                                            <p:cond delay="0"/>
-                                          </p:stCondLst>
-                                        </p:cTn>
-                                        <p:tgtEl>
-                                          <p:spTgt spid="25"/>
-                                        </p:tgtEl>
-                                        <p:attrNameLst>
-                                          <p:attrName>style.visibility</p:attrName>
-                                        </p:attrNameLst>
-                                      </p:cBhvr>
-                                      <p:to>
-                                        <p:strVal val="visible"/>
-                                      </p:to>
-                                    </p:set>
-                                    <p:animEffect transition="in" filter="fade">
-                                      <p:cBhvr>
-                                        <p:cTn id="58" dur="500"/>
-                                        <p:tgtEl>
-                                          <p:spTgt spid="25"/>
                                         </p:tgtEl>
                                       </p:cBhvr>
                                     </p:animEffect>
@@ -28523,7 +28686,7 @@
                                           </p:stCondLst>
                                         </p:cTn>
                                         <p:tgtEl>
-                                          <p:spTgt spid="23"/>
+                                          <p:spTgt spid="34"/>
                                         </p:tgtEl>
                                         <p:attrNameLst>
                                           <p:attrName>style.visibility</p:attrName>
@@ -28537,7 +28700,7 @@
                                       <p:cBhvr>
                                         <p:cTn id="63" dur="500"/>
                                         <p:tgtEl>
-                                          <p:spTgt spid="23"/>
+                                          <p:spTgt spid="34"/>
                                         </p:tgtEl>
                                       </p:cBhvr>
                                     </p:animEffect>
